--- a/Intro_to_GENE/Structrue_of_input.pptx
+++ b/Intro_to_GENE/Structrue_of_input.pptx
@@ -8,8 +8,19 @@
     <p:sldId id="256" r:id="rId2"/>
     <p:sldId id="257" r:id="rId3"/>
     <p:sldId id="258" r:id="rId4"/>
-    <p:sldId id="259" r:id="rId5"/>
-    <p:sldId id="260" r:id="rId6"/>
+    <p:sldId id="261" r:id="rId5"/>
+    <p:sldId id="262" r:id="rId6"/>
+    <p:sldId id="263" r:id="rId7"/>
+    <p:sldId id="264" r:id="rId8"/>
+    <p:sldId id="265" r:id="rId9"/>
+    <p:sldId id="266" r:id="rId10"/>
+    <p:sldId id="267" r:id="rId11"/>
+    <p:sldId id="268" r:id="rId12"/>
+    <p:sldId id="269" r:id="rId13"/>
+    <p:sldId id="259" r:id="rId14"/>
+    <p:sldId id="260" r:id="rId15"/>
+    <p:sldId id="270" r:id="rId16"/>
+    <p:sldId id="271" r:id="rId17"/>
   </p:sldIdLst>
   <p:sldSz cx="12192000" cy="6858000"/>
   <p:notesSz cx="6858000" cy="9144000"/>
@@ -108,7 +119,24 @@
       </a:defRPr>
     </a:lvl9pPr>
   </p:defaultTextStyle>
+  <p:extLst>
+    <p:ext uri="{EFAFB233-063F-42B5-8137-9DF3F51BA10A}">
+      <p15:sldGuideLst xmlns:p15="http://schemas.microsoft.com/office/powerpoint/2012/main"/>
+    </p:ext>
+  </p:extLst>
 </p:presentation>
+</file>
+
+<file path=ppt/commentAuthors.xml><?xml version="1.0" encoding="utf-8"?>
+<p:cmAuthorLst xmlns:a="http://schemas.openxmlformats.org/drawingml/2006/main" xmlns:r="http://schemas.openxmlformats.org/officeDocument/2006/relationships" xmlns:p="http://schemas.openxmlformats.org/presentationml/2006/main">
+  <p:cmAuthor id="1" name="Max Curie" initials="MC" lastIdx="1" clrIdx="0">
+    <p:extLst>
+      <p:ext uri="{19B8F6BF-5375-455C-9EA6-DF929625EA0E}">
+        <p15:presenceInfo xmlns:p15="http://schemas.microsoft.com/office/powerpoint/2012/main" userId="fd60193ee69b7ad5" providerId="Windows Live"/>
+      </p:ext>
+    </p:extLst>
+  </p:cmAuthor>
+</p:cmAuthorLst>
 </file>
 
 <file path=ppt/slideLayouts/slideLayout1.xml><?xml version="1.0" encoding="utf-8"?>
@@ -3346,7 +3374,10 @@
           <a:bodyPr/>
           <a:lstStyle/>
           <a:p>
-            <a:endParaRPr lang="en-US"/>
+            <a:r>
+              <a:rPr lang="en-US" dirty="0"/>
+              <a:t>Structure of Input</a:t>
+            </a:r>
           </a:p>
         </p:txBody>
       </p:sp>
@@ -3379,6 +3410,1397 @@
     <p:extLst>
       <p:ext uri="{BB962C8B-B14F-4D97-AF65-F5344CB8AC3E}">
         <p14:creationId xmlns:p14="http://schemas.microsoft.com/office/powerpoint/2010/main" val="2739302538"/>
+      </p:ext>
+    </p:extLst>
+  </p:cSld>
+  <p:clrMapOvr>
+    <a:masterClrMapping/>
+  </p:clrMapOvr>
+</p:sld>
+</file>
+
+<file path=ppt/slides/slide10.xml><?xml version="1.0" encoding="utf-8"?>
+<p:sld xmlns:a="http://schemas.openxmlformats.org/drawingml/2006/main" xmlns:r="http://schemas.openxmlformats.org/officeDocument/2006/relationships" xmlns:p="http://schemas.openxmlformats.org/presentationml/2006/main">
+  <p:cSld>
+    <p:spTree>
+      <p:nvGrpSpPr>
+        <p:cNvPr id="1" name=""/>
+        <p:cNvGrpSpPr/>
+        <p:nvPr/>
+      </p:nvGrpSpPr>
+      <p:grpSpPr>
+        <a:xfrm>
+          <a:off x="0" y="0"/>
+          <a:ext cx="0" cy="0"/>
+          <a:chOff x="0" y="0"/>
+          <a:chExt cx="0" cy="0"/>
+        </a:xfrm>
+      </p:grpSpPr>
+      <p:sp>
+        <p:nvSpPr>
+          <p:cNvPr id="2" name="Title 1">
+            <a:extLst>
+              <a:ext uri="{FF2B5EF4-FFF2-40B4-BE49-F238E27FC236}">
+                <a16:creationId xmlns:a16="http://schemas.microsoft.com/office/drawing/2014/main" id="{1DFA98ED-6B1E-4E10-9504-9F639DEAFC4C}"/>
+              </a:ext>
+            </a:extLst>
+          </p:cNvPr>
+          <p:cNvSpPr>
+            <a:spLocks noGrp="1"/>
+          </p:cNvSpPr>
+          <p:nvPr>
+            <p:ph type="title"/>
+          </p:nvPr>
+        </p:nvSpPr>
+        <p:spPr/>
+        <p:txBody>
+          <a:bodyPr/>
+          <a:lstStyle/>
+          <a:p>
+            <a:r>
+              <a:rPr lang="en-US" dirty="0"/>
+              <a:t>&amp;species</a:t>
+            </a:r>
+          </a:p>
+        </p:txBody>
+      </p:sp>
+      <p:sp>
+        <p:nvSpPr>
+          <p:cNvPr id="3" name="Content Placeholder 2">
+            <a:extLst>
+              <a:ext uri="{FF2B5EF4-FFF2-40B4-BE49-F238E27FC236}">
+                <a16:creationId xmlns:a16="http://schemas.microsoft.com/office/drawing/2014/main" id="{66D5EB73-1636-4699-96A1-6017A3F628EB}"/>
+              </a:ext>
+            </a:extLst>
+          </p:cNvPr>
+          <p:cNvSpPr>
+            <a:spLocks noGrp="1"/>
+          </p:cNvSpPr>
+          <p:nvPr>
+            <p:ph idx="1"/>
+          </p:nvPr>
+        </p:nvSpPr>
+        <p:spPr/>
+        <p:txBody>
+          <a:bodyPr>
+            <a:normAutofit lnSpcReduction="10000"/>
+          </a:bodyPr>
+          <a:lstStyle/>
+          <a:p>
+            <a:pPr marL="0" indent="0">
+              <a:buNone/>
+            </a:pPr>
+            <a:r>
+              <a:rPr lang="en-US" dirty="0"/>
+              <a:t>name   = 'e'</a:t>
+            </a:r>
+          </a:p>
+          <a:p>
+            <a:pPr marL="0" indent="0">
+              <a:buNone/>
+            </a:pPr>
+            <a:r>
+              <a:rPr lang="en-US" dirty="0" err="1"/>
+              <a:t>prof_type</a:t>
+            </a:r>
+            <a:r>
+              <a:rPr lang="en-US" dirty="0"/>
+              <a:t> = -2</a:t>
+            </a:r>
+          </a:p>
+          <a:p>
+            <a:pPr marL="0" indent="0">
+              <a:buNone/>
+            </a:pPr>
+            <a:r>
+              <a:rPr lang="en-US" dirty="0" err="1"/>
+              <a:t>omn</a:t>
+            </a:r>
+            <a:r>
+              <a:rPr lang="en-US" dirty="0"/>
+              <a:t>    =    -1     !</a:t>
+            </a:r>
+            <a:r>
+              <a:rPr lang="en-US" dirty="0" err="1"/>
+              <a:t>L_ref</a:t>
+            </a:r>
+            <a:r>
+              <a:rPr lang="en-US" dirty="0"/>
+              <a:t>/</a:t>
+            </a:r>
+            <a:r>
+              <a:rPr lang="en-US" dirty="0" err="1"/>
+              <a:t>L_n</a:t>
+            </a:r>
+            <a:endParaRPr lang="en-US" dirty="0"/>
+          </a:p>
+          <a:p>
+            <a:pPr marL="0" indent="0">
+              <a:buNone/>
+            </a:pPr>
+            <a:r>
+              <a:rPr lang="en-US" dirty="0" err="1"/>
+              <a:t>omt</a:t>
+            </a:r>
+            <a:r>
+              <a:rPr lang="en-US" dirty="0"/>
+              <a:t>    =    -1     !</a:t>
+            </a:r>
+            <a:r>
+              <a:rPr lang="en-US" dirty="0" err="1"/>
+              <a:t>L_ref</a:t>
+            </a:r>
+            <a:r>
+              <a:rPr lang="en-US" dirty="0"/>
+              <a:t>/L_T</a:t>
+            </a:r>
+          </a:p>
+          <a:p>
+            <a:pPr marL="0" indent="0">
+              <a:buNone/>
+            </a:pPr>
+            <a:endParaRPr lang="en-US" dirty="0"/>
+          </a:p>
+          <a:p>
+            <a:pPr marL="0" indent="0">
+              <a:buNone/>
+            </a:pPr>
+            <a:r>
+              <a:rPr lang="en-US" dirty="0"/>
+              <a:t>mass   =    2.7244E-4 !mass in units of </a:t>
+            </a:r>
+            <a:r>
+              <a:rPr lang="en-US" dirty="0" err="1"/>
+              <a:t>m_ref</a:t>
+            </a:r>
+            <a:endParaRPr lang="en-US" dirty="0"/>
+          </a:p>
+          <a:p>
+            <a:pPr marL="0" indent="0">
+              <a:buNone/>
+            </a:pPr>
+            <a:r>
+              <a:rPr lang="en-US" dirty="0"/>
+              <a:t>temp   =    -1     !temperature in units of </a:t>
+            </a:r>
+            <a:r>
+              <a:rPr lang="en-US" dirty="0" err="1"/>
+              <a:t>T_ref</a:t>
+            </a:r>
+            <a:endParaRPr lang="en-US" dirty="0"/>
+          </a:p>
+          <a:p>
+            <a:pPr marL="0" indent="0">
+              <a:buNone/>
+            </a:pPr>
+            <a:r>
+              <a:rPr lang="en-US" dirty="0"/>
+              <a:t>dens   =    -1     !density in units of </a:t>
+            </a:r>
+            <a:r>
+              <a:rPr lang="en-US" dirty="0" err="1"/>
+              <a:t>n_ref</a:t>
+            </a:r>
+            <a:endParaRPr lang="en-US" dirty="0"/>
+          </a:p>
+          <a:p>
+            <a:pPr marL="0" indent="0">
+              <a:buNone/>
+            </a:pPr>
+            <a:r>
+              <a:rPr lang="en-US" dirty="0"/>
+              <a:t>charge =  -1 	      !charge in elementary charge units</a:t>
+            </a:r>
+          </a:p>
+          <a:p>
+            <a:pPr marL="0" indent="0">
+              <a:buNone/>
+            </a:pPr>
+            <a:endParaRPr lang="en-US" dirty="0"/>
+          </a:p>
+        </p:txBody>
+      </p:sp>
+    </p:spTree>
+    <p:extLst>
+      <p:ext uri="{BB962C8B-B14F-4D97-AF65-F5344CB8AC3E}">
+        <p14:creationId xmlns:p14="http://schemas.microsoft.com/office/powerpoint/2010/main" val="639198469"/>
+      </p:ext>
+    </p:extLst>
+  </p:cSld>
+  <p:clrMapOvr>
+    <a:masterClrMapping/>
+  </p:clrMapOvr>
+</p:sld>
+</file>
+
+<file path=ppt/slides/slide11.xml><?xml version="1.0" encoding="utf-8"?>
+<p:sld xmlns:a="http://schemas.openxmlformats.org/drawingml/2006/main" xmlns:r="http://schemas.openxmlformats.org/officeDocument/2006/relationships" xmlns:p="http://schemas.openxmlformats.org/presentationml/2006/main">
+  <p:cSld>
+    <p:spTree>
+      <p:nvGrpSpPr>
+        <p:cNvPr id="1" name=""/>
+        <p:cNvGrpSpPr/>
+        <p:nvPr/>
+      </p:nvGrpSpPr>
+      <p:grpSpPr>
+        <a:xfrm>
+          <a:off x="0" y="0"/>
+          <a:ext cx="0" cy="0"/>
+          <a:chOff x="0" y="0"/>
+          <a:chExt cx="0" cy="0"/>
+        </a:xfrm>
+      </p:grpSpPr>
+      <p:sp>
+        <p:nvSpPr>
+          <p:cNvPr id="2" name="Title 1">
+            <a:extLst>
+              <a:ext uri="{FF2B5EF4-FFF2-40B4-BE49-F238E27FC236}">
+                <a16:creationId xmlns:a16="http://schemas.microsoft.com/office/drawing/2014/main" id="{9F928CFE-2E2A-47E7-ACA0-DD6348F52CC2}"/>
+              </a:ext>
+            </a:extLst>
+          </p:cNvPr>
+          <p:cNvSpPr>
+            <a:spLocks noGrp="1"/>
+          </p:cNvSpPr>
+          <p:nvPr>
+            <p:ph type="title"/>
+          </p:nvPr>
+        </p:nvSpPr>
+        <p:spPr/>
+        <p:txBody>
+          <a:bodyPr/>
+          <a:lstStyle/>
+          <a:p>
+            <a:r>
+              <a:rPr lang="en-US" dirty="0"/>
+              <a:t>&amp;units</a:t>
+            </a:r>
+            <a:br>
+              <a:rPr lang="en-US" dirty="0"/>
+            </a:br>
+            <a:endParaRPr lang="en-US" dirty="0"/>
+          </a:p>
+        </p:txBody>
+      </p:sp>
+      <p:sp>
+        <p:nvSpPr>
+          <p:cNvPr id="3" name="Content Placeholder 2">
+            <a:extLst>
+              <a:ext uri="{FF2B5EF4-FFF2-40B4-BE49-F238E27FC236}">
+                <a16:creationId xmlns:a16="http://schemas.microsoft.com/office/drawing/2014/main" id="{1FBDA16D-183F-4CAB-BAA1-A765776AA21B}"/>
+              </a:ext>
+            </a:extLst>
+          </p:cNvPr>
+          <p:cNvSpPr>
+            <a:spLocks noGrp="1"/>
+          </p:cNvSpPr>
+          <p:nvPr>
+            <p:ph idx="1"/>
+          </p:nvPr>
+        </p:nvSpPr>
+        <p:spPr/>
+        <p:txBody>
+          <a:bodyPr>
+            <a:normAutofit lnSpcReduction="10000"/>
+          </a:bodyPr>
+          <a:lstStyle/>
+          <a:p>
+            <a:pPr marL="0" indent="0">
+              <a:buNone/>
+            </a:pPr>
+            <a:r>
+              <a:rPr lang="en-US" dirty="0"/>
+              <a:t>!uncomment and set reference values if required</a:t>
+            </a:r>
+          </a:p>
+          <a:p>
+            <a:pPr marL="0" indent="0">
+              <a:buNone/>
+            </a:pPr>
+            <a:r>
+              <a:rPr lang="en-US" dirty="0"/>
+              <a:t>!(-1 for automatic computation if profile files specified)</a:t>
+            </a:r>
+          </a:p>
+          <a:p>
+            <a:pPr marL="0" indent="0">
+              <a:buNone/>
+            </a:pPr>
+            <a:r>
+              <a:rPr lang="en-US" dirty="0" err="1"/>
+              <a:t>Bref</a:t>
+            </a:r>
+            <a:r>
+              <a:rPr lang="en-US" dirty="0"/>
+              <a:t> = -1 !in Tesla (*)</a:t>
+            </a:r>
+          </a:p>
+          <a:p>
+            <a:pPr marL="0" indent="0">
+              <a:buNone/>
+            </a:pPr>
+            <a:r>
+              <a:rPr lang="en-US" dirty="0" err="1"/>
+              <a:t>Tref</a:t>
+            </a:r>
+            <a:r>
+              <a:rPr lang="en-US" dirty="0"/>
+              <a:t> = -1 !in keV</a:t>
+            </a:r>
+          </a:p>
+          <a:p>
+            <a:pPr marL="0" indent="0">
+              <a:buNone/>
+            </a:pPr>
+            <a:r>
+              <a:rPr lang="en-US" dirty="0" err="1"/>
+              <a:t>nref</a:t>
+            </a:r>
+            <a:r>
+              <a:rPr lang="en-US" dirty="0"/>
+              <a:t> = -1 !in 1E19 m^{-3}</a:t>
+            </a:r>
+          </a:p>
+          <a:p>
+            <a:pPr marL="0" indent="0">
+              <a:buNone/>
+            </a:pPr>
+            <a:r>
+              <a:rPr lang="en-US" dirty="0" err="1"/>
+              <a:t>Lref</a:t>
+            </a:r>
+            <a:r>
+              <a:rPr lang="en-US" dirty="0"/>
+              <a:t> = -1 !in m (*)</a:t>
+            </a:r>
+          </a:p>
+          <a:p>
+            <a:pPr marL="0" indent="0">
+              <a:buNone/>
+            </a:pPr>
+            <a:r>
+              <a:rPr lang="en-US" dirty="0" err="1"/>
+              <a:t>mref</a:t>
+            </a:r>
+            <a:r>
+              <a:rPr lang="en-US" dirty="0"/>
+              <a:t> = 2.0 !in proton mass (deuterium as main ion species)</a:t>
+            </a:r>
+          </a:p>
+          <a:p>
+            <a:pPr marL="0" indent="0">
+              <a:buNone/>
+            </a:pPr>
+            <a:r>
+              <a:rPr lang="en-US" dirty="0" err="1"/>
+              <a:t>omegatorref</a:t>
+            </a:r>
+            <a:r>
+              <a:rPr lang="en-US" dirty="0"/>
+              <a:t> = -1 !in rad/sec</a:t>
+            </a:r>
+          </a:p>
+          <a:p>
+            <a:pPr marL="0" indent="0">
+              <a:buNone/>
+            </a:pPr>
+            <a:r>
+              <a:rPr lang="en-US" dirty="0"/>
+              <a:t>!(*) will be overwritten by </a:t>
+            </a:r>
+            <a:r>
+              <a:rPr lang="en-US" dirty="0" err="1"/>
+              <a:t>efit</a:t>
+            </a:r>
+            <a:r>
+              <a:rPr lang="en-US" dirty="0"/>
+              <a:t> and </a:t>
+            </a:r>
+            <a:r>
+              <a:rPr lang="en-US" dirty="0" err="1"/>
+              <a:t>chease</a:t>
+            </a:r>
+            <a:r>
+              <a:rPr lang="en-US" dirty="0"/>
+              <a:t> interface</a:t>
+            </a:r>
+          </a:p>
+        </p:txBody>
+      </p:sp>
+    </p:spTree>
+    <p:extLst>
+      <p:ext uri="{BB962C8B-B14F-4D97-AF65-F5344CB8AC3E}">
+        <p14:creationId xmlns:p14="http://schemas.microsoft.com/office/powerpoint/2010/main" val="4083102753"/>
+      </p:ext>
+    </p:extLst>
+  </p:cSld>
+  <p:clrMapOvr>
+    <a:masterClrMapping/>
+  </p:clrMapOvr>
+</p:sld>
+</file>
+
+<file path=ppt/slides/slide12.xml><?xml version="1.0" encoding="utf-8"?>
+<p:sld xmlns:a="http://schemas.openxmlformats.org/drawingml/2006/main" xmlns:r="http://schemas.openxmlformats.org/officeDocument/2006/relationships" xmlns:p="http://schemas.openxmlformats.org/presentationml/2006/main">
+  <p:cSld>
+    <p:spTree>
+      <p:nvGrpSpPr>
+        <p:cNvPr id="1" name=""/>
+        <p:cNvGrpSpPr/>
+        <p:nvPr/>
+      </p:nvGrpSpPr>
+      <p:grpSpPr>
+        <a:xfrm>
+          <a:off x="0" y="0"/>
+          <a:ext cx="0" cy="0"/>
+          <a:chOff x="0" y="0"/>
+          <a:chExt cx="0" cy="0"/>
+        </a:xfrm>
+      </p:grpSpPr>
+      <p:sp>
+        <p:nvSpPr>
+          <p:cNvPr id="2" name="Title 1">
+            <a:extLst>
+              <a:ext uri="{FF2B5EF4-FFF2-40B4-BE49-F238E27FC236}">
+                <a16:creationId xmlns:a16="http://schemas.microsoft.com/office/drawing/2014/main" id="{C9F4E734-3767-490D-82CA-431C84323222}"/>
+              </a:ext>
+            </a:extLst>
+          </p:cNvPr>
+          <p:cNvSpPr>
+            <a:spLocks noGrp="1"/>
+          </p:cNvSpPr>
+          <p:nvPr>
+            <p:ph type="title"/>
+          </p:nvPr>
+        </p:nvSpPr>
+        <p:spPr/>
+        <p:txBody>
+          <a:bodyPr/>
+          <a:lstStyle/>
+          <a:p>
+            <a:r>
+              <a:rPr lang="en-US" dirty="0"/>
+              <a:t>&amp;</a:t>
+            </a:r>
+            <a:r>
+              <a:rPr lang="en-US" dirty="0" err="1"/>
+              <a:t>external_contr</a:t>
+            </a:r>
+            <a:br>
+              <a:rPr lang="en-US" dirty="0"/>
+            </a:br>
+            <a:endParaRPr lang="en-US" dirty="0"/>
+          </a:p>
+        </p:txBody>
+      </p:sp>
+      <p:sp>
+        <p:nvSpPr>
+          <p:cNvPr id="3" name="Content Placeholder 2">
+            <a:extLst>
+              <a:ext uri="{FF2B5EF4-FFF2-40B4-BE49-F238E27FC236}">
+                <a16:creationId xmlns:a16="http://schemas.microsoft.com/office/drawing/2014/main" id="{8317BD7F-5EFC-46D4-88FF-F58D88C873CB}"/>
+              </a:ext>
+            </a:extLst>
+          </p:cNvPr>
+          <p:cNvSpPr>
+            <a:spLocks noGrp="1"/>
+          </p:cNvSpPr>
+          <p:nvPr>
+            <p:ph idx="1"/>
+          </p:nvPr>
+        </p:nvSpPr>
+        <p:spPr/>
+        <p:txBody>
+          <a:bodyPr/>
+          <a:lstStyle/>
+          <a:p>
+            <a:pPr marL="0" indent="0">
+              <a:buNone/>
+            </a:pPr>
+            <a:r>
+              <a:rPr lang="en-US" dirty="0" err="1"/>
+              <a:t>ExBrate</a:t>
+            </a:r>
+            <a:r>
+              <a:rPr lang="en-US" dirty="0"/>
+              <a:t> = -1111.0</a:t>
+            </a:r>
+          </a:p>
+          <a:p>
+            <a:pPr marL="0" indent="0">
+              <a:buNone/>
+            </a:pPr>
+            <a:endParaRPr lang="en-US" dirty="0"/>
+          </a:p>
+        </p:txBody>
+      </p:sp>
+    </p:spTree>
+    <p:extLst>
+      <p:ext uri="{BB962C8B-B14F-4D97-AF65-F5344CB8AC3E}">
+        <p14:creationId xmlns:p14="http://schemas.microsoft.com/office/powerpoint/2010/main" val="191066769"/>
+      </p:ext>
+    </p:extLst>
+  </p:cSld>
+  <p:clrMapOvr>
+    <a:masterClrMapping/>
+  </p:clrMapOvr>
+</p:sld>
+</file>
+
+<file path=ppt/slides/slide13.xml><?xml version="1.0" encoding="utf-8"?>
+<p:sld xmlns:a="http://schemas.openxmlformats.org/drawingml/2006/main" xmlns:r="http://schemas.openxmlformats.org/officeDocument/2006/relationships" xmlns:p="http://schemas.openxmlformats.org/presentationml/2006/main">
+  <p:cSld>
+    <p:spTree>
+      <p:nvGrpSpPr>
+        <p:cNvPr id="1" name=""/>
+        <p:cNvGrpSpPr/>
+        <p:nvPr/>
+      </p:nvGrpSpPr>
+      <p:grpSpPr>
+        <a:xfrm>
+          <a:off x="0" y="0"/>
+          <a:ext cx="0" cy="0"/>
+          <a:chOff x="0" y="0"/>
+          <a:chExt cx="0" cy="0"/>
+        </a:xfrm>
+      </p:grpSpPr>
+      <p:sp>
+        <p:nvSpPr>
+          <p:cNvPr id="2" name="Title 1">
+            <a:extLst>
+              <a:ext uri="{FF2B5EF4-FFF2-40B4-BE49-F238E27FC236}">
+                <a16:creationId xmlns:a16="http://schemas.microsoft.com/office/drawing/2014/main" id="{F70EC9BF-6DBB-4D3F-B1E8-FBF454991342}"/>
+              </a:ext>
+            </a:extLst>
+          </p:cNvPr>
+          <p:cNvSpPr>
+            <a:spLocks noGrp="1"/>
+          </p:cNvSpPr>
+          <p:nvPr>
+            <p:ph type="title"/>
+          </p:nvPr>
+        </p:nvSpPr>
+        <p:spPr>
+          <a:xfrm>
+            <a:off x="838200" y="-20547"/>
+            <a:ext cx="10515600" cy="1325563"/>
+          </a:xfrm>
+        </p:spPr>
+        <p:txBody>
+          <a:bodyPr/>
+          <a:lstStyle/>
+          <a:p>
+            <a:r>
+              <a:rPr lang="en-US" dirty="0"/>
+              <a:t>Submit file</a:t>
+            </a:r>
+          </a:p>
+        </p:txBody>
+      </p:sp>
+      <p:sp>
+        <p:nvSpPr>
+          <p:cNvPr id="3" name="Content Placeholder 2">
+            <a:extLst>
+              <a:ext uri="{FF2B5EF4-FFF2-40B4-BE49-F238E27FC236}">
+                <a16:creationId xmlns:a16="http://schemas.microsoft.com/office/drawing/2014/main" id="{1A94287C-A0B2-4DA1-855F-4DBDD035C1B0}"/>
+              </a:ext>
+            </a:extLst>
+          </p:cNvPr>
+          <p:cNvSpPr>
+            <a:spLocks noGrp="1"/>
+          </p:cNvSpPr>
+          <p:nvPr>
+            <p:ph idx="1"/>
+          </p:nvPr>
+        </p:nvSpPr>
+        <p:spPr>
+          <a:xfrm>
+            <a:off x="838200" y="1305016"/>
+            <a:ext cx="10515600" cy="5406501"/>
+          </a:xfrm>
+        </p:spPr>
+        <p:txBody>
+          <a:bodyPr>
+            <a:normAutofit fontScale="70000" lnSpcReduction="20000"/>
+          </a:bodyPr>
+          <a:lstStyle/>
+          <a:p>
+            <a:pPr marL="0" indent="0">
+              <a:buNone/>
+            </a:pPr>
+            <a:r>
+              <a:rPr lang="en-US" dirty="0"/>
+              <a:t>#!/bin/bash -l</a:t>
+            </a:r>
+          </a:p>
+          <a:p>
+            <a:pPr marL="0" indent="0">
+              <a:buNone/>
+            </a:pPr>
+            <a:r>
+              <a:rPr lang="en-US" dirty="0"/>
+              <a:t>### please make sure to run</a:t>
+            </a:r>
+          </a:p>
+          <a:p>
+            <a:pPr marL="0" indent="0">
+              <a:buNone/>
+            </a:pPr>
+            <a:r>
+              <a:rPr lang="en-US" dirty="0"/>
+              <a:t>### module swap </a:t>
+            </a:r>
+            <a:r>
+              <a:rPr lang="en-US" dirty="0" err="1"/>
+              <a:t>craype-haswell</a:t>
+            </a:r>
+            <a:r>
+              <a:rPr lang="en-US" dirty="0"/>
+              <a:t> </a:t>
+            </a:r>
+            <a:r>
+              <a:rPr lang="en-US" dirty="0" err="1"/>
+              <a:t>craype</a:t>
+            </a:r>
+            <a:r>
+              <a:rPr lang="en-US" dirty="0"/>
+              <a:t>-mic-</a:t>
+            </a:r>
+            <a:r>
+              <a:rPr lang="en-US" dirty="0" err="1"/>
+              <a:t>knl</a:t>
+            </a:r>
+            <a:endParaRPr lang="en-US" dirty="0"/>
+          </a:p>
+          <a:p>
+            <a:pPr marL="0" indent="0">
+              <a:buNone/>
+            </a:pPr>
+            <a:r>
+              <a:rPr lang="en-US" dirty="0"/>
+              <a:t>### BEFORE compiling GENE to set the correct compiler optimization and memory</a:t>
+            </a:r>
+          </a:p>
+          <a:p>
+            <a:pPr marL="0" indent="0">
+              <a:buNone/>
+            </a:pPr>
+            <a:r>
+              <a:rPr lang="en-US" dirty="0"/>
+              <a:t>#SBATCH -p regular </a:t>
+            </a:r>
+            <a:r>
+              <a:rPr lang="en-US" dirty="0">
+                <a:solidFill>
+                  <a:srgbClr val="FF0000"/>
+                </a:solidFill>
+              </a:rPr>
+              <a:t>(or debug)</a:t>
+            </a:r>
+          </a:p>
+          <a:p>
+            <a:pPr marL="0" indent="0">
+              <a:buNone/>
+            </a:pPr>
+            <a:r>
+              <a:rPr lang="en-US" dirty="0"/>
+              <a:t>#SBATCH -N </a:t>
+            </a:r>
+            <a:r>
+              <a:rPr lang="en-US" sz="2900" b="1" dirty="0">
+                <a:solidFill>
+                  <a:srgbClr val="FF0000"/>
+                </a:solidFill>
+              </a:rPr>
+              <a:t>18</a:t>
+            </a:r>
+            <a:r>
+              <a:rPr lang="en-US" dirty="0"/>
+              <a:t> ###number of nodes</a:t>
+            </a:r>
+          </a:p>
+          <a:p>
+            <a:pPr marL="0" indent="0">
+              <a:buNone/>
+            </a:pPr>
+            <a:r>
+              <a:rPr lang="en-US" dirty="0"/>
+              <a:t>#SBATCH -S 4    ###number of specialized cores per node (use 4 to get 64 cores per node for GENE)</a:t>
+            </a:r>
+          </a:p>
+          <a:p>
+            <a:pPr marL="0" indent="0">
+              <a:buNone/>
+            </a:pPr>
+            <a:r>
+              <a:rPr lang="en-US" dirty="0"/>
+              <a:t>#SBATCH -C </a:t>
+            </a:r>
+            <a:r>
+              <a:rPr lang="en-US" dirty="0" err="1"/>
+              <a:t>knl,quad,cache</a:t>
+            </a:r>
+            <a:r>
+              <a:rPr lang="en-US" dirty="0"/>
+              <a:t>  ###default setting on Cori, means 16GB fast RAM will be used as L3 cache; leaving 96GB per node</a:t>
+            </a:r>
+          </a:p>
+          <a:p>
+            <a:pPr marL="0" indent="0">
+              <a:buNone/>
+            </a:pPr>
+            <a:r>
+              <a:rPr lang="en-US" dirty="0"/>
+              <a:t>#SBATCH -t 02:00:00  </a:t>
+            </a:r>
+            <a:r>
+              <a:rPr lang="en-US" dirty="0">
+                <a:solidFill>
+                  <a:srgbClr val="FF0000"/>
+                </a:solidFill>
+              </a:rPr>
+              <a:t>(less than 00:30:00 in debug)</a:t>
+            </a:r>
+          </a:p>
+          <a:p>
+            <a:pPr marL="0" indent="0">
+              <a:buNone/>
+            </a:pPr>
+            <a:r>
+              <a:rPr lang="en-US" dirty="0"/>
+              <a:t>#SBATCH -J GENE</a:t>
+            </a:r>
+          </a:p>
+          <a:p>
+            <a:pPr marL="0" indent="0">
+              <a:buNone/>
+            </a:pPr>
+            <a:r>
+              <a:rPr lang="en-US" dirty="0"/>
+              <a:t>#SBATCH -L SCRATCH ###need scratch access for this job</a:t>
+            </a:r>
+          </a:p>
+          <a:p>
+            <a:pPr marL="0" indent="0">
+              <a:buNone/>
+            </a:pPr>
+            <a:r>
+              <a:rPr lang="en-US" dirty="0"/>
+              <a:t>#SBATCH -o ./%x.%</a:t>
+            </a:r>
+            <a:r>
+              <a:rPr lang="en-US" dirty="0" err="1"/>
+              <a:t>j.out</a:t>
+            </a:r>
+            <a:endParaRPr lang="en-US" dirty="0"/>
+          </a:p>
+          <a:p>
+            <a:pPr marL="0" indent="0">
+              <a:buNone/>
+            </a:pPr>
+            <a:r>
+              <a:rPr lang="en-US" dirty="0"/>
+              <a:t>#SBATCH -e ./%x.%</a:t>
+            </a:r>
+            <a:r>
+              <a:rPr lang="en-US" dirty="0" err="1"/>
+              <a:t>j.err</a:t>
+            </a:r>
+            <a:endParaRPr lang="en-US" dirty="0"/>
+          </a:p>
+          <a:p>
+            <a:pPr marL="0" indent="0">
+              <a:buNone/>
+            </a:pPr>
+            <a:r>
+              <a:rPr lang="en-US" dirty="0"/>
+              <a:t>##uncomment for particular account usage</a:t>
+            </a:r>
+          </a:p>
+          <a:p>
+            <a:pPr marL="0" indent="0">
+              <a:buNone/>
+            </a:pPr>
+            <a:r>
+              <a:rPr lang="en-US" dirty="0"/>
+              <a:t>##SBATCH -A &lt;ACCOUNT&gt;</a:t>
+            </a:r>
+          </a:p>
+          <a:p>
+            <a:pPr marL="0" indent="0">
+              <a:buNone/>
+            </a:pPr>
+            <a:endParaRPr lang="en-US" dirty="0"/>
+          </a:p>
+        </p:txBody>
+      </p:sp>
+    </p:spTree>
+    <p:extLst>
+      <p:ext uri="{BB962C8B-B14F-4D97-AF65-F5344CB8AC3E}">
+        <p14:creationId xmlns:p14="http://schemas.microsoft.com/office/powerpoint/2010/main" val="2647724713"/>
+      </p:ext>
+    </p:extLst>
+  </p:cSld>
+  <p:clrMapOvr>
+    <a:masterClrMapping/>
+  </p:clrMapOvr>
+</p:sld>
+</file>
+
+<file path=ppt/slides/slide14.xml><?xml version="1.0" encoding="utf-8"?>
+<p:sld xmlns:a="http://schemas.openxmlformats.org/drawingml/2006/main" xmlns:r="http://schemas.openxmlformats.org/officeDocument/2006/relationships" xmlns:p="http://schemas.openxmlformats.org/presentationml/2006/main">
+  <p:cSld>
+    <p:spTree>
+      <p:nvGrpSpPr>
+        <p:cNvPr id="1" name=""/>
+        <p:cNvGrpSpPr/>
+        <p:nvPr/>
+      </p:nvGrpSpPr>
+      <p:grpSpPr>
+        <a:xfrm>
+          <a:off x="0" y="0"/>
+          <a:ext cx="0" cy="0"/>
+          <a:chOff x="0" y="0"/>
+          <a:chExt cx="0" cy="0"/>
+        </a:xfrm>
+      </p:grpSpPr>
+      <p:sp>
+        <p:nvSpPr>
+          <p:cNvPr id="3" name="Content Placeholder 2">
+            <a:extLst>
+              <a:ext uri="{FF2B5EF4-FFF2-40B4-BE49-F238E27FC236}">
+                <a16:creationId xmlns:a16="http://schemas.microsoft.com/office/drawing/2014/main" id="{FB8D4DDD-E2B6-473E-AA9B-018B5A7A6C5C}"/>
+              </a:ext>
+            </a:extLst>
+          </p:cNvPr>
+          <p:cNvSpPr>
+            <a:spLocks noGrp="1"/>
+          </p:cNvSpPr>
+          <p:nvPr>
+            <p:ph idx="1"/>
+          </p:nvPr>
+        </p:nvSpPr>
+        <p:spPr>
+          <a:xfrm>
+            <a:off x="838200" y="133165"/>
+            <a:ext cx="10515600" cy="6613864"/>
+          </a:xfrm>
+        </p:spPr>
+        <p:txBody>
+          <a:bodyPr>
+            <a:normAutofit/>
+          </a:bodyPr>
+          <a:lstStyle/>
+          <a:p>
+            <a:pPr marL="0" indent="0">
+              <a:buNone/>
+            </a:pPr>
+            <a:r>
+              <a:rPr lang="en-US" sz="2000" dirty="0"/>
+              <a:t>## fix formatted output in cray env</a:t>
+            </a:r>
+          </a:p>
+          <a:p>
+            <a:pPr marL="0" indent="0">
+              <a:buNone/>
+            </a:pPr>
+            <a:r>
+              <a:rPr lang="en-US" sz="2000" dirty="0"/>
+              <a:t>if [ "$PE_ENV" == "CRAY" ]; then</a:t>
+            </a:r>
+          </a:p>
+          <a:p>
+            <a:pPr marL="0" indent="0">
+              <a:buNone/>
+            </a:pPr>
+            <a:r>
+              <a:rPr lang="en-US" sz="2000" dirty="0"/>
+              <a:t>  export FILENV=</a:t>
+            </a:r>
+            <a:r>
+              <a:rPr lang="en-US" sz="2000" dirty="0" err="1"/>
+              <a:t>my_filenenv</a:t>
+            </a:r>
+            <a:endParaRPr lang="en-US" sz="2000" dirty="0"/>
+          </a:p>
+          <a:p>
+            <a:pPr marL="0" indent="0">
+              <a:buNone/>
+            </a:pPr>
+            <a:r>
+              <a:rPr lang="en-US" sz="2000" dirty="0"/>
+              <a:t>  assign -U on g:sf</a:t>
+            </a:r>
+          </a:p>
+          <a:p>
+            <a:pPr marL="0" indent="0">
+              <a:buNone/>
+            </a:pPr>
+            <a:r>
+              <a:rPr lang="en-US" sz="2000" dirty="0"/>
+              <a:t>fi</a:t>
+            </a:r>
+          </a:p>
+          <a:p>
+            <a:pPr marL="0" indent="0">
+              <a:buNone/>
+            </a:pPr>
+            <a:endParaRPr lang="en-US" sz="2000" dirty="0"/>
+          </a:p>
+          <a:p>
+            <a:pPr marL="0" indent="0">
+              <a:buNone/>
+            </a:pPr>
+            <a:r>
+              <a:rPr lang="en-US" sz="2000" dirty="0"/>
+              <a:t>## set </a:t>
+            </a:r>
+            <a:r>
+              <a:rPr lang="en-US" sz="2000" dirty="0" err="1"/>
+              <a:t>openmp</a:t>
+            </a:r>
+            <a:r>
+              <a:rPr lang="en-US" sz="2000" dirty="0"/>
+              <a:t> threads</a:t>
+            </a:r>
+          </a:p>
+          <a:p>
+            <a:pPr marL="0" indent="0">
+              <a:buNone/>
+            </a:pPr>
+            <a:r>
+              <a:rPr lang="en-US" sz="2000" dirty="0"/>
+              <a:t>export OMP_NUM_THREADS=1</a:t>
+            </a:r>
+          </a:p>
+          <a:p>
+            <a:pPr marL="0" indent="0">
+              <a:buNone/>
+            </a:pPr>
+            <a:endParaRPr lang="en-US" sz="2000" dirty="0"/>
+          </a:p>
+          <a:p>
+            <a:pPr marL="0" indent="0">
+              <a:buNone/>
+            </a:pPr>
+            <a:r>
+              <a:rPr lang="en-US" sz="2000" dirty="0"/>
+              <a:t># run GENE </a:t>
+            </a:r>
+          </a:p>
+          <a:p>
+            <a:pPr marL="0" indent="0">
+              <a:buNone/>
+            </a:pPr>
+            <a:r>
+              <a:rPr lang="en-US" sz="2000" dirty="0" err="1"/>
+              <a:t>srun</a:t>
+            </a:r>
+            <a:r>
+              <a:rPr lang="en-US" sz="2000" dirty="0"/>
+              <a:t> -n 1152</a:t>
+            </a:r>
+            <a:r>
+              <a:rPr lang="en-US" sz="3200" b="1" dirty="0">
+                <a:solidFill>
+                  <a:srgbClr val="FF0000"/>
+                </a:solidFill>
+              </a:rPr>
+              <a:t>(64*N)</a:t>
+            </a:r>
+            <a:r>
+              <a:rPr lang="en-US" sz="3200" b="1" dirty="0"/>
+              <a:t> </a:t>
+            </a:r>
+            <a:r>
+              <a:rPr lang="en-US" sz="2000" dirty="0"/>
+              <a:t>-c 4 --</a:t>
+            </a:r>
+            <a:r>
+              <a:rPr lang="en-US" sz="2000" dirty="0" err="1"/>
+              <a:t>cpu_bind</a:t>
+            </a:r>
+            <a:r>
+              <a:rPr lang="en-US" sz="2000" dirty="0"/>
+              <a:t>=cores ./</a:t>
+            </a:r>
+            <a:r>
+              <a:rPr lang="en-US" sz="2000" dirty="0" err="1"/>
+              <a:t>gene_cori</a:t>
+            </a:r>
+            <a:endParaRPr lang="en-US" sz="2000" dirty="0"/>
+          </a:p>
+          <a:p>
+            <a:pPr marL="0" indent="0">
+              <a:buNone/>
+            </a:pPr>
+            <a:r>
+              <a:rPr lang="en-US" sz="2000" dirty="0"/>
+              <a:t># run </a:t>
+            </a:r>
+            <a:r>
+              <a:rPr lang="en-US" sz="2000" dirty="0" err="1"/>
+              <a:t>scanscript</a:t>
+            </a:r>
+            <a:endParaRPr lang="en-US" sz="2000" dirty="0"/>
+          </a:p>
+          <a:p>
+            <a:pPr marL="0" indent="0">
+              <a:buNone/>
+            </a:pPr>
+            <a:r>
+              <a:rPr lang="en-US" sz="2000" dirty="0"/>
+              <a:t>./</a:t>
+            </a:r>
+            <a:r>
+              <a:rPr lang="en-US" sz="2000" dirty="0" err="1"/>
+              <a:t>scanscript</a:t>
+            </a:r>
+            <a:r>
+              <a:rPr lang="en-US" sz="2000" dirty="0"/>
+              <a:t> --np 1152</a:t>
+            </a:r>
+            <a:r>
+              <a:rPr lang="en-US" sz="3200" b="1" dirty="0">
+                <a:solidFill>
+                  <a:srgbClr val="FF0000"/>
+                </a:solidFill>
+              </a:rPr>
+              <a:t>(64*N)</a:t>
+            </a:r>
+            <a:r>
+              <a:rPr lang="en-US" sz="2000" dirty="0"/>
+              <a:t> --</a:t>
+            </a:r>
+            <a:r>
+              <a:rPr lang="en-US" sz="2000" dirty="0" err="1"/>
+              <a:t>syscall</a:t>
+            </a:r>
+            <a:r>
+              <a:rPr lang="en-US" sz="2000" dirty="0"/>
+              <a:t>='</a:t>
+            </a:r>
+            <a:r>
+              <a:rPr lang="en-US" sz="2000" dirty="0" err="1"/>
+              <a:t>srun</a:t>
+            </a:r>
+            <a:r>
+              <a:rPr lang="en-US" sz="2000" dirty="0"/>
+              <a:t> -n 1152 ./</a:t>
+            </a:r>
+            <a:r>
+              <a:rPr lang="en-US" sz="2000" dirty="0" err="1"/>
+              <a:t>gene_cori</a:t>
+            </a:r>
+            <a:r>
+              <a:rPr lang="en-US" sz="2000" dirty="0"/>
+              <a:t>'</a:t>
+            </a:r>
+          </a:p>
+        </p:txBody>
+      </p:sp>
+    </p:spTree>
+    <p:extLst>
+      <p:ext uri="{BB962C8B-B14F-4D97-AF65-F5344CB8AC3E}">
+        <p14:creationId xmlns:p14="http://schemas.microsoft.com/office/powerpoint/2010/main" val="625438826"/>
+      </p:ext>
+    </p:extLst>
+  </p:cSld>
+  <p:clrMapOvr>
+    <a:masterClrMapping/>
+  </p:clrMapOvr>
+</p:sld>
+</file>
+
+<file path=ppt/slides/slide15.xml><?xml version="1.0" encoding="utf-8"?>
+<p:sld xmlns:a="http://schemas.openxmlformats.org/drawingml/2006/main" xmlns:r="http://schemas.openxmlformats.org/officeDocument/2006/relationships" xmlns:p="http://schemas.openxmlformats.org/presentationml/2006/main">
+  <p:cSld>
+    <p:spTree>
+      <p:nvGrpSpPr>
+        <p:cNvPr id="1" name=""/>
+        <p:cNvGrpSpPr/>
+        <p:nvPr/>
+      </p:nvGrpSpPr>
+      <p:grpSpPr>
+        <a:xfrm>
+          <a:off x="0" y="0"/>
+          <a:ext cx="0" cy="0"/>
+          <a:chOff x="0" y="0"/>
+          <a:chExt cx="0" cy="0"/>
+        </a:xfrm>
+      </p:grpSpPr>
+      <p:sp>
+        <p:nvSpPr>
+          <p:cNvPr id="2" name="Title 1">
+            <a:extLst>
+              <a:ext uri="{FF2B5EF4-FFF2-40B4-BE49-F238E27FC236}">
+                <a16:creationId xmlns:a16="http://schemas.microsoft.com/office/drawing/2014/main" id="{EAF89C90-0567-4A27-BCE1-4CE8B7B87070}"/>
+              </a:ext>
+            </a:extLst>
+          </p:cNvPr>
+          <p:cNvSpPr>
+            <a:spLocks noGrp="1"/>
+          </p:cNvSpPr>
+          <p:nvPr>
+            <p:ph type="title"/>
+          </p:nvPr>
+        </p:nvSpPr>
+        <p:spPr/>
+        <p:txBody>
+          <a:bodyPr/>
+          <a:lstStyle/>
+          <a:p>
+            <a:r>
+              <a:rPr lang="en-US" dirty="0"/>
+              <a:t>Read from checkpoint </a:t>
+            </a:r>
+          </a:p>
+        </p:txBody>
+      </p:sp>
+      <p:sp>
+        <p:nvSpPr>
+          <p:cNvPr id="3" name="Content Placeholder 2">
+            <a:extLst>
+              <a:ext uri="{FF2B5EF4-FFF2-40B4-BE49-F238E27FC236}">
+                <a16:creationId xmlns:a16="http://schemas.microsoft.com/office/drawing/2014/main" id="{E902AE50-9BCC-461C-ADCC-C39845F62CD2}"/>
+              </a:ext>
+            </a:extLst>
+          </p:cNvPr>
+          <p:cNvSpPr>
+            <a:spLocks noGrp="1"/>
+          </p:cNvSpPr>
+          <p:nvPr>
+            <p:ph idx="1"/>
+          </p:nvPr>
+        </p:nvSpPr>
+        <p:spPr/>
+        <p:txBody>
+          <a:bodyPr/>
+          <a:lstStyle/>
+          <a:p>
+            <a:r>
+              <a:rPr lang="en-US" dirty="0"/>
+              <a:t>Mv the </a:t>
+            </a:r>
+            <a:r>
+              <a:rPr lang="en-US" dirty="0" err="1"/>
+              <a:t>s_checkpoint</a:t>
+            </a:r>
+            <a:r>
+              <a:rPr lang="en-US" dirty="0"/>
+              <a:t> to checkpoint</a:t>
+            </a:r>
+          </a:p>
+          <a:p>
+            <a:pPr marL="0" indent="0">
+              <a:buNone/>
+            </a:pPr>
+            <a:r>
+              <a:rPr lang="en-US" dirty="0"/>
+              <a:t>  mv </a:t>
+            </a:r>
+            <a:r>
+              <a:rPr lang="en-US" dirty="0" err="1"/>
+              <a:t>s_checkpoint</a:t>
+            </a:r>
+            <a:r>
+              <a:rPr lang="en-US" dirty="0"/>
+              <a:t> checkpoint</a:t>
+            </a:r>
+          </a:p>
+          <a:p>
+            <a:r>
+              <a:rPr lang="en-US" dirty="0"/>
+              <a:t>Read from the checkpoint</a:t>
+            </a:r>
+          </a:p>
+          <a:p>
+            <a:pPr marL="0" indent="0">
+              <a:buNone/>
+            </a:pPr>
+            <a:r>
+              <a:rPr lang="en-US" dirty="0" err="1"/>
+              <a:t>read_checkpoint</a:t>
+            </a:r>
+            <a:r>
+              <a:rPr lang="en-US" dirty="0"/>
+              <a:t>  = T</a:t>
+            </a:r>
+          </a:p>
+          <a:p>
+            <a:pPr marL="0" indent="0">
+              <a:buNone/>
+            </a:pPr>
+            <a:endParaRPr lang="en-US" dirty="0"/>
+          </a:p>
+          <a:p>
+            <a:pPr marL="0" indent="0">
+              <a:buNone/>
+            </a:pPr>
+            <a:endParaRPr lang="en-US" dirty="0"/>
+          </a:p>
+        </p:txBody>
+      </p:sp>
+    </p:spTree>
+    <p:extLst>
+      <p:ext uri="{BB962C8B-B14F-4D97-AF65-F5344CB8AC3E}">
+        <p14:creationId xmlns:p14="http://schemas.microsoft.com/office/powerpoint/2010/main" val="4110193456"/>
+      </p:ext>
+    </p:extLst>
+  </p:cSld>
+  <p:clrMapOvr>
+    <a:masterClrMapping/>
+  </p:clrMapOvr>
+</p:sld>
+</file>
+
+<file path=ppt/slides/slide16.xml><?xml version="1.0" encoding="utf-8"?>
+<p:sld xmlns:a="http://schemas.openxmlformats.org/drawingml/2006/main" xmlns:r="http://schemas.openxmlformats.org/officeDocument/2006/relationships" xmlns:p="http://schemas.openxmlformats.org/presentationml/2006/main">
+  <p:cSld>
+    <p:spTree>
+      <p:nvGrpSpPr>
+        <p:cNvPr id="1" name=""/>
+        <p:cNvGrpSpPr/>
+        <p:nvPr/>
+      </p:nvGrpSpPr>
+      <p:grpSpPr>
+        <a:xfrm>
+          <a:off x="0" y="0"/>
+          <a:ext cx="0" cy="0"/>
+          <a:chOff x="0" y="0"/>
+          <a:chExt cx="0" cy="0"/>
+        </a:xfrm>
+      </p:grpSpPr>
+      <p:sp>
+        <p:nvSpPr>
+          <p:cNvPr id="2" name="Title 1">
+            <a:extLst>
+              <a:ext uri="{FF2B5EF4-FFF2-40B4-BE49-F238E27FC236}">
+                <a16:creationId xmlns:a16="http://schemas.microsoft.com/office/drawing/2014/main" id="{8409F4ED-B43F-43D9-A5EB-2B5F12FF6D65}"/>
+              </a:ext>
+            </a:extLst>
+          </p:cNvPr>
+          <p:cNvSpPr>
+            <a:spLocks noGrp="1"/>
+          </p:cNvSpPr>
+          <p:nvPr>
+            <p:ph type="title"/>
+          </p:nvPr>
+        </p:nvSpPr>
+        <p:spPr/>
+        <p:txBody>
+          <a:bodyPr/>
+          <a:lstStyle/>
+          <a:p>
+            <a:r>
+              <a:rPr lang="en-US" dirty="0"/>
+              <a:t>Different species</a:t>
+            </a:r>
+          </a:p>
+        </p:txBody>
+      </p:sp>
+      <p:sp>
+        <p:nvSpPr>
+          <p:cNvPr id="3" name="Content Placeholder 2">
+            <a:extLst>
+              <a:ext uri="{FF2B5EF4-FFF2-40B4-BE49-F238E27FC236}">
+                <a16:creationId xmlns:a16="http://schemas.microsoft.com/office/drawing/2014/main" id="{A191A76B-AF46-4302-97F5-7BE2C9E5D08B}"/>
+              </a:ext>
+            </a:extLst>
+          </p:cNvPr>
+          <p:cNvSpPr>
+            <a:spLocks noGrp="1"/>
+          </p:cNvSpPr>
+          <p:nvPr>
+            <p:ph idx="1"/>
+          </p:nvPr>
+        </p:nvSpPr>
+        <p:spPr/>
+        <p:txBody>
+          <a:bodyPr/>
+          <a:lstStyle/>
+          <a:p>
+            <a:r>
+              <a:rPr lang="en-US" dirty="0"/>
+              <a:t>Tau and </a:t>
+            </a:r>
+            <a:r>
+              <a:rPr lang="en-US" dirty="0" err="1"/>
+              <a:t>zeff</a:t>
+            </a:r>
+            <a:r>
+              <a:rPr lang="en-US" dirty="0"/>
+              <a:t> can be calculated by calc_zeff_id.py </a:t>
+            </a:r>
+          </a:p>
+          <a:p>
+            <a:r>
+              <a:rPr lang="en-US" dirty="0"/>
+              <a:t>Change in &amp;general</a:t>
+            </a:r>
+          </a:p>
+          <a:p>
+            <a:pPr marL="0" indent="0">
+              <a:buNone/>
+            </a:pPr>
+            <a:r>
+              <a:rPr lang="en-US" dirty="0"/>
+              <a:t>tau = 0.58026160053</a:t>
+            </a:r>
+          </a:p>
+          <a:p>
+            <a:pPr marL="0" indent="0">
+              <a:buNone/>
+            </a:pPr>
+            <a:r>
+              <a:rPr lang="en-US" dirty="0" err="1"/>
+              <a:t>zeff</a:t>
+            </a:r>
+            <a:r>
+              <a:rPr lang="en-US" dirty="0"/>
+              <a:t> = 1.42078546459</a:t>
+            </a:r>
+          </a:p>
+          <a:p>
+            <a:endParaRPr lang="en-US" dirty="0"/>
+          </a:p>
+          <a:p>
+            <a:r>
+              <a:rPr lang="en-US" dirty="0"/>
+              <a:t>set </a:t>
+            </a:r>
+            <a:r>
+              <a:rPr lang="en-US" dirty="0" err="1"/>
+              <a:t>n_spec</a:t>
+            </a:r>
+            <a:r>
+              <a:rPr lang="en-US" dirty="0"/>
+              <a:t> = 2 to consider ion in &amp;box</a:t>
+            </a:r>
+          </a:p>
+          <a:p>
+            <a:r>
+              <a:rPr lang="en-US" dirty="0"/>
+              <a:t>set </a:t>
+            </a:r>
+            <a:r>
+              <a:rPr lang="en-US" dirty="0" err="1"/>
+              <a:t>n_spec</a:t>
+            </a:r>
+            <a:r>
+              <a:rPr lang="en-US" dirty="0"/>
+              <a:t> = 3 to consider ion and impurity</a:t>
+            </a:r>
+          </a:p>
+          <a:p>
+            <a:endParaRPr lang="en-US" dirty="0"/>
+          </a:p>
+        </p:txBody>
+      </p:sp>
+    </p:spTree>
+    <p:extLst>
+      <p:ext uri="{BB962C8B-B14F-4D97-AF65-F5344CB8AC3E}">
+        <p14:creationId xmlns:p14="http://schemas.microsoft.com/office/powerpoint/2010/main" val="1906870233"/>
       </p:ext>
     </p:extLst>
   </p:cSld>
@@ -3428,38 +4850,83 @@
           <a:p>
             <a:r>
               <a:rPr lang="en-US" dirty="0"/>
-              <a:t>Input </a:t>
-            </a:r>
-            <a:r>
-              <a:rPr lang="en-US" dirty="0" err="1"/>
-              <a:t>strucute</a:t>
+              <a:t>Input structure – parameter file</a:t>
+            </a:r>
+          </a:p>
+        </p:txBody>
+      </p:sp>
+      <p:sp>
+        <p:nvSpPr>
+          <p:cNvPr id="3" name="Content Placeholder 2">
+            <a:extLst>
+              <a:ext uri="{FF2B5EF4-FFF2-40B4-BE49-F238E27FC236}">
+                <a16:creationId xmlns:a16="http://schemas.microsoft.com/office/drawing/2014/main" id="{24FCBE98-B75C-4408-A6D2-2877FA2B74A6}"/>
+              </a:ext>
+            </a:extLst>
+          </p:cNvPr>
+          <p:cNvSpPr>
+            <a:spLocks noGrp="1"/>
+          </p:cNvSpPr>
+          <p:nvPr>
+            <p:ph idx="1"/>
+          </p:nvPr>
+        </p:nvSpPr>
+        <p:spPr/>
+        <p:txBody>
+          <a:bodyPr/>
+          <a:lstStyle/>
+          <a:p>
+            <a:r>
+              <a:rPr lang="en-US" dirty="0"/>
+              <a:t>Parallelization</a:t>
+            </a:r>
+          </a:p>
+          <a:p>
+            <a:r>
+              <a:rPr lang="en-US" dirty="0"/>
+              <a:t>Box</a:t>
+            </a:r>
+          </a:p>
+          <a:p>
+            <a:r>
+              <a:rPr lang="en-US" dirty="0" err="1"/>
+              <a:t>in_out</a:t>
             </a:r>
             <a:endParaRPr lang="en-US" dirty="0"/>
           </a:p>
-        </p:txBody>
-      </p:sp>
-      <p:sp>
-        <p:nvSpPr>
-          <p:cNvPr id="3" name="Content Placeholder 2">
-            <a:extLst>
-              <a:ext uri="{FF2B5EF4-FFF2-40B4-BE49-F238E27FC236}">
-                <a16:creationId xmlns:a16="http://schemas.microsoft.com/office/drawing/2014/main" id="{24FCBE98-B75C-4408-A6D2-2877FA2B74A6}"/>
-              </a:ext>
-            </a:extLst>
-          </p:cNvPr>
-          <p:cNvSpPr>
-            <a:spLocks noGrp="1"/>
-          </p:cNvSpPr>
-          <p:nvPr>
-            <p:ph idx="1"/>
-          </p:nvPr>
-        </p:nvSpPr>
-        <p:spPr/>
-        <p:txBody>
-          <a:bodyPr/>
-          <a:lstStyle/>
-          <a:p>
-            <a:endParaRPr lang="en-US"/>
+          <a:p>
+            <a:r>
+              <a:rPr lang="en-US" dirty="0"/>
+              <a:t>General</a:t>
+            </a:r>
+          </a:p>
+          <a:p>
+            <a:r>
+              <a:rPr lang="en-US" dirty="0"/>
+              <a:t>Geometry</a:t>
+            </a:r>
+          </a:p>
+          <a:p>
+            <a:r>
+              <a:rPr lang="en-US" dirty="0"/>
+              <a:t>Species</a:t>
+            </a:r>
+          </a:p>
+          <a:p>
+            <a:r>
+              <a:rPr lang="en-US" dirty="0"/>
+              <a:t>Units</a:t>
+            </a:r>
+          </a:p>
+          <a:p>
+            <a:r>
+              <a:rPr lang="en-US" dirty="0" err="1"/>
+              <a:t>external_contr</a:t>
+            </a:r>
+            <a:endParaRPr lang="en-US" dirty="0"/>
+          </a:p>
+          <a:p>
+            <a:endParaRPr lang="en-US" dirty="0"/>
           </a:p>
         </p:txBody>
       </p:sp>
@@ -3514,7 +4981,10 @@
           <a:bodyPr/>
           <a:lstStyle/>
           <a:p>
-            <a:endParaRPr lang="en-US"/>
+            <a:r>
+              <a:rPr lang="en-US" dirty="0"/>
+              <a:t>&amp;parallelization</a:t>
+            </a:r>
           </a:p>
         </p:txBody>
       </p:sp>
@@ -3534,12 +5004,307 @@
             <p:ph idx="1"/>
           </p:nvPr>
         </p:nvSpPr>
-        <p:spPr/>
+        <p:spPr>
+          <a:xfrm>
+            <a:off x="838200" y="1825625"/>
+            <a:ext cx="3174507" cy="4351338"/>
+          </a:xfrm>
+        </p:spPr>
         <p:txBody>
           <a:bodyPr/>
           <a:lstStyle/>
           <a:p>
-            <a:endParaRPr lang="en-US"/>
+            <a:pPr marL="0" indent="0">
+              <a:buNone/>
+            </a:pPr>
+            <a:r>
+              <a:rPr lang="pt-BR" dirty="0"/>
+              <a:t>n_procs_s = -1</a:t>
+            </a:r>
+          </a:p>
+          <a:p>
+            <a:pPr marL="0" indent="0">
+              <a:buNone/>
+            </a:pPr>
+            <a:r>
+              <a:rPr lang="pt-BR" dirty="0"/>
+              <a:t>n_procs_v = -1</a:t>
+            </a:r>
+          </a:p>
+          <a:p>
+            <a:pPr marL="0" indent="0">
+              <a:buNone/>
+            </a:pPr>
+            <a:r>
+              <a:rPr lang="pt-BR" dirty="0"/>
+              <a:t>n_procs_w = 8</a:t>
+            </a:r>
+          </a:p>
+          <a:p>
+            <a:pPr marL="0" indent="0">
+              <a:buNone/>
+            </a:pPr>
+            <a:r>
+              <a:rPr lang="pt-BR" dirty="0"/>
+              <a:t>n_procs_x = -1</a:t>
+            </a:r>
+          </a:p>
+          <a:p>
+            <a:pPr marL="0" indent="0">
+              <a:buNone/>
+            </a:pPr>
+            <a:r>
+              <a:rPr lang="pt-BR" dirty="0"/>
+              <a:t>n_procs_y = -1</a:t>
+            </a:r>
+          </a:p>
+          <a:p>
+            <a:pPr marL="0" indent="0">
+              <a:buNone/>
+            </a:pPr>
+            <a:r>
+              <a:rPr lang="pt-BR" dirty="0"/>
+              <a:t>n_procs_z = -1</a:t>
+            </a:r>
+          </a:p>
+          <a:p>
+            <a:pPr marL="0" indent="0">
+              <a:buNone/>
+            </a:pPr>
+            <a:r>
+              <a:rPr lang="pt-BR" dirty="0"/>
+              <a:t>n_parallel_sims = 1</a:t>
+            </a:r>
+          </a:p>
+          <a:p>
+            <a:pPr marL="0" indent="0">
+              <a:buNone/>
+            </a:pPr>
+            <a:r>
+              <a:rPr lang="pt-BR" dirty="0"/>
+              <a:t>n_procs_sim = 960</a:t>
+            </a:r>
+            <a:endParaRPr lang="en-US" dirty="0"/>
+          </a:p>
+        </p:txBody>
+      </p:sp>
+      <p:sp>
+        <p:nvSpPr>
+          <p:cNvPr id="4" name="Content Placeholder 2">
+            <a:extLst>
+              <a:ext uri="{FF2B5EF4-FFF2-40B4-BE49-F238E27FC236}">
+                <a16:creationId xmlns:a16="http://schemas.microsoft.com/office/drawing/2014/main" id="{6466C312-F6DC-44A4-A0B7-D97F38D769C6}"/>
+              </a:ext>
+            </a:extLst>
+          </p:cNvPr>
+          <p:cNvSpPr txBox="1">
+            <a:spLocks/>
+          </p:cNvSpPr>
+          <p:nvPr/>
+        </p:nvSpPr>
+        <p:spPr>
+          <a:xfrm>
+            <a:off x="5884347" y="1678277"/>
+            <a:ext cx="5679579" cy="4351338"/>
+          </a:xfrm>
+          <a:prstGeom prst="rect">
+            <a:avLst/>
+          </a:prstGeom>
+        </p:spPr>
+        <p:txBody>
+          <a:bodyPr vert="horz" lIns="91440" tIns="45720" rIns="91440" bIns="45720" rtlCol="0">
+            <a:normAutofit/>
+          </a:bodyPr>
+          <a:lstStyle>
+            <a:lvl1pPr marL="228600" indent="-228600" algn="l" defTabSz="914400" rtl="0" eaLnBrk="1" latinLnBrk="0" hangingPunct="1">
+              <a:lnSpc>
+                <a:spcPct val="90000"/>
+              </a:lnSpc>
+              <a:spcBef>
+                <a:spcPts val="1000"/>
+              </a:spcBef>
+              <a:buFont typeface="Arial" panose="020B0604020202020204" pitchFamily="34" charset="0"/>
+              <a:buChar char="•"/>
+              <a:defRPr sz="2800" kern="1200">
+                <a:solidFill>
+                  <a:schemeClr val="tx1"/>
+                </a:solidFill>
+                <a:latin typeface="+mn-lt"/>
+                <a:ea typeface="+mn-ea"/>
+                <a:cs typeface="+mn-cs"/>
+              </a:defRPr>
+            </a:lvl1pPr>
+            <a:lvl2pPr marL="685800" indent="-228600" algn="l" defTabSz="914400" rtl="0" eaLnBrk="1" latinLnBrk="0" hangingPunct="1">
+              <a:lnSpc>
+                <a:spcPct val="90000"/>
+              </a:lnSpc>
+              <a:spcBef>
+                <a:spcPts val="500"/>
+              </a:spcBef>
+              <a:buFont typeface="Arial" panose="020B0604020202020204" pitchFamily="34" charset="0"/>
+              <a:buChar char="•"/>
+              <a:defRPr sz="2400" kern="1200">
+                <a:solidFill>
+                  <a:schemeClr val="tx1"/>
+                </a:solidFill>
+                <a:latin typeface="+mn-lt"/>
+                <a:ea typeface="+mn-ea"/>
+                <a:cs typeface="+mn-cs"/>
+              </a:defRPr>
+            </a:lvl2pPr>
+            <a:lvl3pPr marL="1143000" indent="-228600" algn="l" defTabSz="914400" rtl="0" eaLnBrk="1" latinLnBrk="0" hangingPunct="1">
+              <a:lnSpc>
+                <a:spcPct val="90000"/>
+              </a:lnSpc>
+              <a:spcBef>
+                <a:spcPts val="500"/>
+              </a:spcBef>
+              <a:buFont typeface="Arial" panose="020B0604020202020204" pitchFamily="34" charset="0"/>
+              <a:buChar char="•"/>
+              <a:defRPr sz="2000" kern="1200">
+                <a:solidFill>
+                  <a:schemeClr val="tx1"/>
+                </a:solidFill>
+                <a:latin typeface="+mn-lt"/>
+                <a:ea typeface="+mn-ea"/>
+                <a:cs typeface="+mn-cs"/>
+              </a:defRPr>
+            </a:lvl3pPr>
+            <a:lvl4pPr marL="1600200" indent="-228600" algn="l" defTabSz="914400" rtl="0" eaLnBrk="1" latinLnBrk="0" hangingPunct="1">
+              <a:lnSpc>
+                <a:spcPct val="90000"/>
+              </a:lnSpc>
+              <a:spcBef>
+                <a:spcPts val="500"/>
+              </a:spcBef>
+              <a:buFont typeface="Arial" panose="020B0604020202020204" pitchFamily="34" charset="0"/>
+              <a:buChar char="•"/>
+              <a:defRPr sz="1800" kern="1200">
+                <a:solidFill>
+                  <a:schemeClr val="tx1"/>
+                </a:solidFill>
+                <a:latin typeface="+mn-lt"/>
+                <a:ea typeface="+mn-ea"/>
+                <a:cs typeface="+mn-cs"/>
+              </a:defRPr>
+            </a:lvl4pPr>
+            <a:lvl5pPr marL="2057400" indent="-228600" algn="l" defTabSz="914400" rtl="0" eaLnBrk="1" latinLnBrk="0" hangingPunct="1">
+              <a:lnSpc>
+                <a:spcPct val="90000"/>
+              </a:lnSpc>
+              <a:spcBef>
+                <a:spcPts val="500"/>
+              </a:spcBef>
+              <a:buFont typeface="Arial" panose="020B0604020202020204" pitchFamily="34" charset="0"/>
+              <a:buChar char="•"/>
+              <a:defRPr sz="1800" kern="1200">
+                <a:solidFill>
+                  <a:schemeClr val="tx1"/>
+                </a:solidFill>
+                <a:latin typeface="+mn-lt"/>
+                <a:ea typeface="+mn-ea"/>
+                <a:cs typeface="+mn-cs"/>
+              </a:defRPr>
+            </a:lvl5pPr>
+            <a:lvl6pPr marL="2514600" indent="-228600" algn="l" defTabSz="914400" rtl="0" eaLnBrk="1" latinLnBrk="0" hangingPunct="1">
+              <a:lnSpc>
+                <a:spcPct val="90000"/>
+              </a:lnSpc>
+              <a:spcBef>
+                <a:spcPts val="500"/>
+              </a:spcBef>
+              <a:buFont typeface="Arial" panose="020B0604020202020204" pitchFamily="34" charset="0"/>
+              <a:buChar char="•"/>
+              <a:defRPr sz="1800" kern="1200">
+                <a:solidFill>
+                  <a:schemeClr val="tx1"/>
+                </a:solidFill>
+                <a:latin typeface="+mn-lt"/>
+                <a:ea typeface="+mn-ea"/>
+                <a:cs typeface="+mn-cs"/>
+              </a:defRPr>
+            </a:lvl6pPr>
+            <a:lvl7pPr marL="2971800" indent="-228600" algn="l" defTabSz="914400" rtl="0" eaLnBrk="1" latinLnBrk="0" hangingPunct="1">
+              <a:lnSpc>
+                <a:spcPct val="90000"/>
+              </a:lnSpc>
+              <a:spcBef>
+                <a:spcPts val="500"/>
+              </a:spcBef>
+              <a:buFont typeface="Arial" panose="020B0604020202020204" pitchFamily="34" charset="0"/>
+              <a:buChar char="•"/>
+              <a:defRPr sz="1800" kern="1200">
+                <a:solidFill>
+                  <a:schemeClr val="tx1"/>
+                </a:solidFill>
+                <a:latin typeface="+mn-lt"/>
+                <a:ea typeface="+mn-ea"/>
+                <a:cs typeface="+mn-cs"/>
+              </a:defRPr>
+            </a:lvl7pPr>
+            <a:lvl8pPr marL="3429000" indent="-228600" algn="l" defTabSz="914400" rtl="0" eaLnBrk="1" latinLnBrk="0" hangingPunct="1">
+              <a:lnSpc>
+                <a:spcPct val="90000"/>
+              </a:lnSpc>
+              <a:spcBef>
+                <a:spcPts val="500"/>
+              </a:spcBef>
+              <a:buFont typeface="Arial" panose="020B0604020202020204" pitchFamily="34" charset="0"/>
+              <a:buChar char="•"/>
+              <a:defRPr sz="1800" kern="1200">
+                <a:solidFill>
+                  <a:schemeClr val="tx1"/>
+                </a:solidFill>
+                <a:latin typeface="+mn-lt"/>
+                <a:ea typeface="+mn-ea"/>
+                <a:cs typeface="+mn-cs"/>
+              </a:defRPr>
+            </a:lvl8pPr>
+            <a:lvl9pPr marL="3886200" indent="-228600" algn="l" defTabSz="914400" rtl="0" eaLnBrk="1" latinLnBrk="0" hangingPunct="1">
+              <a:lnSpc>
+                <a:spcPct val="90000"/>
+              </a:lnSpc>
+              <a:spcBef>
+                <a:spcPts val="500"/>
+              </a:spcBef>
+              <a:buFont typeface="Arial" panose="020B0604020202020204" pitchFamily="34" charset="0"/>
+              <a:buChar char="•"/>
+              <a:defRPr sz="1800" kern="1200">
+                <a:solidFill>
+                  <a:schemeClr val="tx1"/>
+                </a:solidFill>
+                <a:latin typeface="+mn-lt"/>
+                <a:ea typeface="+mn-ea"/>
+                <a:cs typeface="+mn-cs"/>
+              </a:defRPr>
+            </a:lvl9pPr>
+          </a:lstStyle>
+          <a:p>
+            <a:r>
+              <a:rPr lang="pt-BR" dirty="0"/>
+              <a:t>-1 is the automatic parallization</a:t>
+            </a:r>
+          </a:p>
+          <a:p>
+            <a:r>
+              <a:rPr lang="pt-BR" dirty="0"/>
+              <a:t> </a:t>
+            </a:r>
+            <a:r>
+              <a:rPr lang="en-US" dirty="0"/>
+              <a:t>n_box_0  = </a:t>
+            </a:r>
+            <a:r>
+              <a:rPr lang="pt-BR" dirty="0"/>
+              <a:t>n_procs_box * int</a:t>
+            </a:r>
+          </a:p>
+          <a:p>
+            <a:r>
+              <a:rPr lang="pt-BR" dirty="0"/>
+              <a:t> n_procs_sim equal to the core required in submit file  </a:t>
+            </a:r>
+            <a:endParaRPr lang="en-US" dirty="0"/>
           </a:p>
         </p:txBody>
       </p:sp>
@@ -3578,7 +5343,7 @@
           <p:cNvPr id="2" name="Title 1">
             <a:extLst>
               <a:ext uri="{FF2B5EF4-FFF2-40B4-BE49-F238E27FC236}">
-                <a16:creationId xmlns:a16="http://schemas.microsoft.com/office/drawing/2014/main" id="{F70EC9BF-6DBB-4D3F-B1E8-FBF454991342}"/>
+                <a16:creationId xmlns:a16="http://schemas.microsoft.com/office/drawing/2014/main" id="{8DB48D52-E488-48C5-8E83-5AC174C74186}"/>
               </a:ext>
             </a:extLst>
           </p:cNvPr>
@@ -3595,8 +5360,8 @@
           <a:lstStyle/>
           <a:p>
             <a:r>
-              <a:rPr lang="en-US"/>
-              <a:t>Submit file</a:t>
+              <a:rPr lang="en-US" dirty="0"/>
+              <a:t>&amp;box</a:t>
             </a:r>
           </a:p>
         </p:txBody>
@@ -3606,7 +5371,7 @@
           <p:cNvPr id="3" name="Content Placeholder 2">
             <a:extLst>
               <a:ext uri="{FF2B5EF4-FFF2-40B4-BE49-F238E27FC236}">
-                <a16:creationId xmlns:a16="http://schemas.microsoft.com/office/drawing/2014/main" id="{1A94287C-A0B2-4DA1-855F-4DBDD035C1B0}"/>
+                <a16:creationId xmlns:a16="http://schemas.microsoft.com/office/drawing/2014/main" id="{336D845D-99A0-44CF-9205-E95E8906C229}"/>
               </a:ext>
             </a:extLst>
           </p:cNvPr>
@@ -3617,19 +5382,185 @@
             <p:ph idx="1"/>
           </p:nvPr>
         </p:nvSpPr>
-        <p:spPr/>
-        <p:txBody>
-          <a:bodyPr/>
-          <a:lstStyle/>
-          <a:p>
-            <a:endParaRPr lang="en-US"/>
+        <p:spPr>
+          <a:xfrm>
+            <a:off x="838200" y="1825625"/>
+            <a:ext cx="5959764" cy="4351338"/>
+          </a:xfrm>
+        </p:spPr>
+        <p:txBody>
+          <a:bodyPr>
+            <a:normAutofit fontScale="77500" lnSpcReduction="20000"/>
+          </a:bodyPr>
+          <a:lstStyle/>
+          <a:p>
+            <a:pPr marL="0" indent="0">
+              <a:buNone/>
+            </a:pPr>
+            <a:r>
+              <a:rPr lang="en-US" dirty="0"/>
+              <a:t>x0     =   0.98       ! # radial location</a:t>
+            </a:r>
+          </a:p>
+          <a:p>
+            <a:pPr marL="0" indent="0">
+              <a:buNone/>
+            </a:pPr>
+            <a:r>
+              <a:rPr lang="en-US" dirty="0" err="1"/>
+              <a:t>n_spec</a:t>
+            </a:r>
+            <a:r>
+              <a:rPr lang="en-US" dirty="0"/>
+              <a:t> =   3	 ! # species</a:t>
+            </a:r>
+          </a:p>
+          <a:p>
+            <a:pPr marL="0" indent="0">
+              <a:buNone/>
+            </a:pPr>
+            <a:r>
+              <a:rPr lang="en-US" dirty="0"/>
+              <a:t>nx0    =   128	 ! # radial grid pts</a:t>
+            </a:r>
+          </a:p>
+          <a:p>
+            <a:pPr marL="0" indent="0">
+              <a:buNone/>
+            </a:pPr>
+            <a:r>
+              <a:rPr lang="en-US" dirty="0"/>
+              <a:t>nky0   =   24	 ! # </a:t>
+            </a:r>
+            <a:r>
+              <a:rPr lang="en-US" dirty="0" err="1"/>
+              <a:t>kys</a:t>
+            </a:r>
+            <a:endParaRPr lang="en-US" dirty="0"/>
+          </a:p>
+          <a:p>
+            <a:pPr marL="0" indent="0">
+              <a:buNone/>
+            </a:pPr>
+            <a:r>
+              <a:rPr lang="en-US" dirty="0"/>
+              <a:t>nz0    =   180	 ! # parallel grid pts</a:t>
+            </a:r>
+          </a:p>
+          <a:p>
+            <a:pPr marL="0" indent="0">
+              <a:buNone/>
+            </a:pPr>
+            <a:r>
+              <a:rPr lang="en-US" dirty="0"/>
+              <a:t>nv0    =   40	 ! # </a:t>
+            </a:r>
+            <a:r>
+              <a:rPr lang="en-US" dirty="0" err="1"/>
+              <a:t>vpar</a:t>
+            </a:r>
+            <a:r>
+              <a:rPr lang="en-US" dirty="0"/>
+              <a:t> grid points</a:t>
+            </a:r>
+          </a:p>
+          <a:p>
+            <a:pPr marL="0" indent="0">
+              <a:buNone/>
+            </a:pPr>
+            <a:r>
+              <a:rPr lang="en-US" dirty="0"/>
+              <a:t>nw0    =   8	 !! </a:t>
+            </a:r>
+            <a:r>
+              <a:rPr lang="en-US" dirty="0" err="1"/>
+              <a:t>scanlist</a:t>
+            </a:r>
+            <a:r>
+              <a:rPr lang="en-US" dirty="0"/>
+              <a:t>: 64, 128</a:t>
+            </a:r>
+          </a:p>
+          <a:p>
+            <a:pPr marL="0" indent="0">
+              <a:buNone/>
+            </a:pPr>
+            <a:r>
+              <a:rPr lang="en-US" dirty="0"/>
+              <a:t>lx    =    100          ! box length in x</a:t>
+            </a:r>
+          </a:p>
+          <a:p>
+            <a:pPr marL="0" indent="0">
+              <a:buNone/>
+            </a:pPr>
+            <a:r>
+              <a:rPr lang="en-US" dirty="0" err="1"/>
+              <a:t>kymin</a:t>
+            </a:r>
+            <a:r>
+              <a:rPr lang="en-US" dirty="0"/>
+              <a:t> =     0.02    !! </a:t>
+            </a:r>
+            <a:r>
+              <a:rPr lang="en-US" dirty="0" err="1"/>
+              <a:t>scanlist</a:t>
+            </a:r>
+            <a:r>
+              <a:rPr lang="en-US" dirty="0"/>
+              <a:t>: 0.14, 0.16, 0.17</a:t>
+            </a:r>
+          </a:p>
+          <a:p>
+            <a:pPr marL="0" indent="0">
+              <a:buNone/>
+            </a:pPr>
+            <a:r>
+              <a:rPr lang="en-US" dirty="0"/>
+              <a:t>lv    =     3.00     ! domain in </a:t>
+            </a:r>
+            <a:r>
+              <a:rPr lang="en-US" dirty="0" err="1"/>
+              <a:t>vpar</a:t>
+            </a:r>
+            <a:endParaRPr lang="en-US" dirty="0"/>
+          </a:p>
+          <a:p>
+            <a:pPr marL="0" indent="0">
+              <a:buNone/>
+            </a:pPr>
+            <a:r>
+              <a:rPr lang="en-US" dirty="0" err="1"/>
+              <a:t>lw</a:t>
+            </a:r>
+            <a:r>
+              <a:rPr lang="en-US" dirty="0"/>
+              <a:t>    =     9.00     ! domain in mu</a:t>
+            </a:r>
+          </a:p>
+          <a:p>
+            <a:pPr marL="0" indent="0">
+              <a:buNone/>
+            </a:pPr>
+            <a:r>
+              <a:rPr lang="en-US" dirty="0"/>
+              <a:t>n0_global = 1       !! </a:t>
+            </a:r>
+            <a:r>
+              <a:rPr lang="en-US" dirty="0" err="1"/>
+              <a:t>scanlist</a:t>
+            </a:r>
+            <a:r>
+              <a:rPr lang="en-US" dirty="0"/>
+              <a:t>: 0.4, 0.5, 0.7</a:t>
+            </a:r>
           </a:p>
         </p:txBody>
       </p:sp>
     </p:spTree>
     <p:extLst>
       <p:ext uri="{BB962C8B-B14F-4D97-AF65-F5344CB8AC3E}">
-        <p14:creationId xmlns:p14="http://schemas.microsoft.com/office/powerpoint/2010/main" val="2647724713"/>
+        <p14:creationId xmlns:p14="http://schemas.microsoft.com/office/powerpoint/2010/main" val="2453847256"/>
       </p:ext>
     </p:extLst>
   </p:cSld>
@@ -3661,7 +5592,7 @@
           <p:cNvPr id="2" name="Title 1">
             <a:extLst>
               <a:ext uri="{FF2B5EF4-FFF2-40B4-BE49-F238E27FC236}">
-                <a16:creationId xmlns:a16="http://schemas.microsoft.com/office/drawing/2014/main" id="{E5893C54-112C-4033-931A-07685389146D}"/>
+                <a16:creationId xmlns:a16="http://schemas.microsoft.com/office/drawing/2014/main" id="{A77CAA8A-DAA8-4462-9EAB-5339C1A6F0A9}"/>
               </a:ext>
             </a:extLst>
           </p:cNvPr>
@@ -3677,7 +5608,15 @@
           <a:bodyPr/>
           <a:lstStyle/>
           <a:p>
-            <a:endParaRPr lang="en-US"/>
+            <a:r>
+              <a:rPr lang="en-US" dirty="0"/>
+              <a:t>&amp;</a:t>
+            </a:r>
+            <a:r>
+              <a:rPr lang="en-US" dirty="0" err="1"/>
+              <a:t>in_out</a:t>
+            </a:r>
+            <a:endParaRPr lang="en-US" dirty="0"/>
           </a:p>
         </p:txBody>
       </p:sp>
@@ -3686,7 +5625,7 @@
           <p:cNvPr id="3" name="Content Placeholder 2">
             <a:extLst>
               <a:ext uri="{FF2B5EF4-FFF2-40B4-BE49-F238E27FC236}">
-                <a16:creationId xmlns:a16="http://schemas.microsoft.com/office/drawing/2014/main" id="{FB8D4DDD-E2B6-473E-AA9B-018B5A7A6C5C}"/>
+                <a16:creationId xmlns:a16="http://schemas.microsoft.com/office/drawing/2014/main" id="{14A97E97-5981-43FE-AADB-6CBFC7189EBA}"/>
               </a:ext>
             </a:extLst>
           </p:cNvPr>
@@ -3699,17 +5638,1246 @@
         </p:nvSpPr>
         <p:spPr/>
         <p:txBody>
-          <a:bodyPr/>
-          <a:lstStyle/>
-          <a:p>
-            <a:endParaRPr lang="en-US"/>
+          <a:bodyPr>
+            <a:normAutofit fontScale="62500" lnSpcReduction="20000"/>
+          </a:bodyPr>
+          <a:lstStyle/>
+          <a:p>
+            <a:pPr marL="0" indent="0">
+              <a:buNone/>
+            </a:pPr>
+            <a:r>
+              <a:rPr lang="en-US" dirty="0" err="1"/>
+              <a:t>diagdir</a:t>
+            </a:r>
+            <a:r>
+              <a:rPr lang="en-US" dirty="0"/>
+              <a:t> = '/global/cscratch1/</a:t>
+            </a:r>
+            <a:r>
+              <a:rPr lang="en-US" dirty="0" err="1"/>
+              <a:t>sd</a:t>
+            </a:r>
+            <a:r>
+              <a:rPr lang="en-US" dirty="0"/>
+              <a:t>/</a:t>
+            </a:r>
+            <a:r>
+              <a:rPr lang="en-US" dirty="0" err="1"/>
+              <a:t>maxcurie</a:t>
+            </a:r>
+            <a:r>
+              <a:rPr lang="en-US" dirty="0"/>
+              <a:t>/NL_MTM_098_2' </a:t>
+            </a:r>
+          </a:p>
+          <a:p>
+            <a:pPr marL="0" indent="0">
+              <a:buNone/>
+            </a:pPr>
+            <a:r>
+              <a:rPr lang="en-US" dirty="0" err="1"/>
+              <a:t>iterdb_file</a:t>
+            </a:r>
+            <a:r>
+              <a:rPr lang="en-US" dirty="0"/>
+              <a:t> = 'DIIID175823.iterdb'</a:t>
+            </a:r>
+          </a:p>
+          <a:p>
+            <a:pPr marL="0" indent="0">
+              <a:buNone/>
+            </a:pPr>
+            <a:r>
+              <a:rPr lang="en-US" dirty="0"/>
+              <a:t>! start from checkpoint file ?</a:t>
+            </a:r>
+          </a:p>
+          <a:p>
+            <a:pPr marL="0" indent="0">
+              <a:buNone/>
+            </a:pPr>
+            <a:r>
+              <a:rPr lang="en-US" dirty="0" err="1"/>
+              <a:t>read_checkpoint</a:t>
+            </a:r>
+            <a:r>
+              <a:rPr lang="en-US" dirty="0"/>
+              <a:t>  = F</a:t>
+            </a:r>
+          </a:p>
+          <a:p>
+            <a:pPr marL="0" indent="0">
+              <a:buNone/>
+            </a:pPr>
+            <a:r>
+              <a:rPr lang="en-US" dirty="0" err="1"/>
+              <a:t>write_checkpoint</a:t>
+            </a:r>
+            <a:r>
+              <a:rPr lang="en-US" dirty="0"/>
+              <a:t> = T</a:t>
+            </a:r>
+          </a:p>
+          <a:p>
+            <a:pPr marL="0" indent="0">
+              <a:buNone/>
+            </a:pPr>
+            <a:r>
+              <a:rPr lang="en-US" dirty="0" err="1"/>
+              <a:t>write_std</a:t>
+            </a:r>
+            <a:r>
+              <a:rPr lang="en-US" dirty="0"/>
+              <a:t> = T</a:t>
+            </a:r>
+          </a:p>
+          <a:p>
+            <a:pPr marL="0" indent="0">
+              <a:buNone/>
+            </a:pPr>
+            <a:r>
+              <a:rPr lang="en-US" dirty="0"/>
+              <a:t>! how often to write out various files</a:t>
+            </a:r>
+          </a:p>
+          <a:p>
+            <a:pPr marL="0" indent="0">
+              <a:buNone/>
+            </a:pPr>
+            <a:r>
+              <a:rPr lang="en-US" dirty="0" err="1"/>
+              <a:t>istep_field</a:t>
+            </a:r>
+            <a:r>
+              <a:rPr lang="en-US" dirty="0"/>
+              <a:t>  =    100</a:t>
+            </a:r>
+          </a:p>
+          <a:p>
+            <a:pPr marL="0" indent="0">
+              <a:buNone/>
+            </a:pPr>
+            <a:r>
+              <a:rPr lang="en-US" dirty="0" err="1"/>
+              <a:t>istep_mom</a:t>
+            </a:r>
+            <a:r>
+              <a:rPr lang="en-US" dirty="0"/>
+              <a:t>    =    600</a:t>
+            </a:r>
+          </a:p>
+          <a:p>
+            <a:pPr marL="0" indent="0">
+              <a:buNone/>
+            </a:pPr>
+            <a:r>
+              <a:rPr lang="en-US" dirty="0" err="1"/>
+              <a:t>istep_nrg</a:t>
+            </a:r>
+            <a:r>
+              <a:rPr lang="en-US" dirty="0"/>
+              <a:t>    =     20</a:t>
+            </a:r>
+          </a:p>
+          <a:p>
+            <a:pPr marL="0" indent="0">
+              <a:buNone/>
+            </a:pPr>
+            <a:r>
+              <a:rPr lang="en-US" dirty="0" err="1"/>
+              <a:t>istep_energy</a:t>
+            </a:r>
+            <a:r>
+              <a:rPr lang="en-US" dirty="0"/>
+              <a:t> =    100</a:t>
+            </a:r>
+          </a:p>
+          <a:p>
+            <a:pPr marL="0" indent="0">
+              <a:buNone/>
+            </a:pPr>
+            <a:r>
+              <a:rPr lang="en-US" dirty="0" err="1"/>
+              <a:t>istep_vsp</a:t>
+            </a:r>
+            <a:r>
+              <a:rPr lang="en-US" dirty="0"/>
+              <a:t>   =    5000</a:t>
+            </a:r>
+          </a:p>
+          <a:p>
+            <a:pPr marL="0" indent="0">
+              <a:buNone/>
+            </a:pPr>
+            <a:r>
+              <a:rPr lang="en-US" dirty="0" err="1"/>
+              <a:t>istep_schpt</a:t>
+            </a:r>
+            <a:r>
+              <a:rPr lang="en-US" dirty="0"/>
+              <a:t> =    5000</a:t>
+            </a:r>
           </a:p>
         </p:txBody>
       </p:sp>
     </p:spTree>
     <p:extLst>
       <p:ext uri="{BB962C8B-B14F-4D97-AF65-F5344CB8AC3E}">
-        <p14:creationId xmlns:p14="http://schemas.microsoft.com/office/powerpoint/2010/main" val="625438826"/>
+        <p14:creationId xmlns:p14="http://schemas.microsoft.com/office/powerpoint/2010/main" val="2359093845"/>
+      </p:ext>
+    </p:extLst>
+  </p:cSld>
+  <p:clrMapOvr>
+    <a:masterClrMapping/>
+  </p:clrMapOvr>
+</p:sld>
+</file>
+
+<file path=ppt/slides/slide6.xml><?xml version="1.0" encoding="utf-8"?>
+<p:sld xmlns:a="http://schemas.openxmlformats.org/drawingml/2006/main" xmlns:r="http://schemas.openxmlformats.org/officeDocument/2006/relationships" xmlns:p="http://schemas.openxmlformats.org/presentationml/2006/main">
+  <p:cSld>
+    <p:spTree>
+      <p:nvGrpSpPr>
+        <p:cNvPr id="1" name=""/>
+        <p:cNvGrpSpPr/>
+        <p:nvPr/>
+      </p:nvGrpSpPr>
+      <p:grpSpPr>
+        <a:xfrm>
+          <a:off x="0" y="0"/>
+          <a:ext cx="0" cy="0"/>
+          <a:chOff x="0" y="0"/>
+          <a:chExt cx="0" cy="0"/>
+        </a:xfrm>
+      </p:grpSpPr>
+      <p:sp>
+        <p:nvSpPr>
+          <p:cNvPr id="2" name="Title 1">
+            <a:extLst>
+              <a:ext uri="{FF2B5EF4-FFF2-40B4-BE49-F238E27FC236}">
+                <a16:creationId xmlns:a16="http://schemas.microsoft.com/office/drawing/2014/main" id="{465B526B-45D5-4740-ACA5-C49D6CFD781D}"/>
+              </a:ext>
+            </a:extLst>
+          </p:cNvPr>
+          <p:cNvSpPr>
+            <a:spLocks noGrp="1"/>
+          </p:cNvSpPr>
+          <p:nvPr>
+            <p:ph type="title"/>
+          </p:nvPr>
+        </p:nvSpPr>
+        <p:spPr/>
+        <p:txBody>
+          <a:bodyPr/>
+          <a:lstStyle/>
+          <a:p>
+            <a:r>
+              <a:rPr lang="en-US" dirty="0"/>
+              <a:t>&amp;general</a:t>
+            </a:r>
+          </a:p>
+        </p:txBody>
+      </p:sp>
+      <p:sp>
+        <p:nvSpPr>
+          <p:cNvPr id="3" name="Content Placeholder 2">
+            <a:extLst>
+              <a:ext uri="{FF2B5EF4-FFF2-40B4-BE49-F238E27FC236}">
+                <a16:creationId xmlns:a16="http://schemas.microsoft.com/office/drawing/2014/main" id="{C01C1607-F79B-4FBF-9661-56A9617DF006}"/>
+              </a:ext>
+            </a:extLst>
+          </p:cNvPr>
+          <p:cNvSpPr>
+            <a:spLocks noGrp="1"/>
+          </p:cNvSpPr>
+          <p:nvPr>
+            <p:ph idx="1"/>
+          </p:nvPr>
+        </p:nvSpPr>
+        <p:spPr/>
+        <p:txBody>
+          <a:bodyPr>
+            <a:normAutofit fontScale="77500" lnSpcReduction="20000"/>
+          </a:bodyPr>
+          <a:lstStyle/>
+          <a:p>
+            <a:pPr marL="0" indent="0">
+              <a:buNone/>
+            </a:pPr>
+            <a:r>
+              <a:rPr lang="en-US" dirty="0" err="1"/>
+              <a:t>nblocks</a:t>
+            </a:r>
+            <a:r>
+              <a:rPr lang="en-US" dirty="0"/>
+              <a:t> = 512</a:t>
+            </a:r>
+          </a:p>
+          <a:p>
+            <a:pPr marL="0" indent="0">
+              <a:buNone/>
+            </a:pPr>
+            <a:r>
+              <a:rPr lang="en-US" dirty="0" err="1"/>
+              <a:t>perf_vec</a:t>
+            </a:r>
+            <a:r>
+              <a:rPr lang="en-US" dirty="0"/>
+              <a:t> = 1 1 1 1 1 2 1 1 1</a:t>
+            </a:r>
+          </a:p>
+          <a:p>
+            <a:pPr marL="0" indent="0">
+              <a:buNone/>
+            </a:pPr>
+            <a:r>
+              <a:rPr lang="en-US" dirty="0"/>
+              <a:t>!type of operation</a:t>
+            </a:r>
+          </a:p>
+          <a:p>
+            <a:pPr marL="0" indent="0">
+              <a:buNone/>
+            </a:pPr>
+            <a:r>
+              <a:rPr lang="en-US" dirty="0"/>
+              <a:t>nonlinear = T</a:t>
+            </a:r>
+          </a:p>
+          <a:p>
+            <a:pPr marL="0" indent="0">
+              <a:buNone/>
+            </a:pPr>
+            <a:r>
+              <a:rPr lang="en-US" dirty="0" err="1"/>
+              <a:t>comp_type</a:t>
+            </a:r>
+            <a:r>
+              <a:rPr lang="en-US" dirty="0"/>
+              <a:t> = 'IV'</a:t>
+            </a:r>
+          </a:p>
+          <a:p>
+            <a:pPr marL="0" indent="0">
+              <a:buNone/>
+            </a:pPr>
+            <a:r>
+              <a:rPr lang="en-US" dirty="0"/>
+              <a:t>!choice of algorithms will be detected automatically and written</a:t>
+            </a:r>
+          </a:p>
+          <a:p>
+            <a:pPr marL="0" indent="0">
+              <a:buNone/>
+            </a:pPr>
+            <a:r>
+              <a:rPr lang="en-US" dirty="0"/>
+              <a:t>!to (output) parameters.dat; Uncomment to use a fixed setup</a:t>
+            </a:r>
+          </a:p>
+          <a:p>
+            <a:pPr marL="0" indent="0">
+              <a:buNone/>
+            </a:pPr>
+            <a:r>
+              <a:rPr lang="en-US" dirty="0"/>
+              <a:t>!</a:t>
+            </a:r>
+            <a:r>
+              <a:rPr lang="en-US" dirty="0" err="1"/>
+              <a:t>perf_vec</a:t>
+            </a:r>
+            <a:r>
+              <a:rPr lang="en-US" dirty="0"/>
+              <a:t>  =  1 1 1 1 1 1 1 1 1</a:t>
+            </a:r>
+          </a:p>
+          <a:p>
+            <a:pPr marL="0" indent="0">
+              <a:buNone/>
+            </a:pPr>
+            <a:endParaRPr lang="en-US" dirty="0"/>
+          </a:p>
+          <a:p>
+            <a:pPr marL="0" indent="0">
+              <a:buNone/>
+            </a:pPr>
+            <a:r>
+              <a:rPr lang="en-US" dirty="0"/>
+              <a:t>!Calculate time step; if true, </a:t>
+            </a:r>
+            <a:r>
+              <a:rPr lang="en-US" dirty="0" err="1"/>
+              <a:t>dt_max</a:t>
+            </a:r>
+            <a:r>
+              <a:rPr lang="en-US" dirty="0"/>
+              <a:t> will be calculated by SLEPC</a:t>
+            </a:r>
+          </a:p>
+          <a:p>
+            <a:pPr marL="0" indent="0">
+              <a:buNone/>
+            </a:pPr>
+            <a:r>
+              <a:rPr lang="en-US" dirty="0"/>
+              <a:t>!or if not available *approximated* by CFL limit</a:t>
+            </a:r>
+          </a:p>
+          <a:p>
+            <a:pPr marL="0" indent="0">
+              <a:buNone/>
+            </a:pPr>
+            <a:r>
+              <a:rPr lang="en-US" dirty="0" err="1"/>
+              <a:t>calc_dt</a:t>
+            </a:r>
+            <a:r>
+              <a:rPr lang="en-US" dirty="0"/>
+              <a:t>    = .t.</a:t>
+            </a:r>
+          </a:p>
+          <a:p>
+            <a:pPr marL="0" indent="0">
+              <a:buNone/>
+            </a:pPr>
+            <a:endParaRPr lang="en-US" dirty="0"/>
+          </a:p>
+        </p:txBody>
+      </p:sp>
+    </p:spTree>
+    <p:extLst>
+      <p:ext uri="{BB962C8B-B14F-4D97-AF65-F5344CB8AC3E}">
+        <p14:creationId xmlns:p14="http://schemas.microsoft.com/office/powerpoint/2010/main" val="3327173277"/>
+      </p:ext>
+    </p:extLst>
+  </p:cSld>
+  <p:clrMapOvr>
+    <a:masterClrMapping/>
+  </p:clrMapOvr>
+</p:sld>
+</file>
+
+<file path=ppt/slides/slide7.xml><?xml version="1.0" encoding="utf-8"?>
+<p:sld xmlns:a="http://schemas.openxmlformats.org/drawingml/2006/main" xmlns:r="http://schemas.openxmlformats.org/officeDocument/2006/relationships" xmlns:p="http://schemas.openxmlformats.org/presentationml/2006/main">
+  <p:cSld>
+    <p:spTree>
+      <p:nvGrpSpPr>
+        <p:cNvPr id="1" name=""/>
+        <p:cNvGrpSpPr/>
+        <p:nvPr/>
+      </p:nvGrpSpPr>
+      <p:grpSpPr>
+        <a:xfrm>
+          <a:off x="0" y="0"/>
+          <a:ext cx="0" cy="0"/>
+          <a:chOff x="0" y="0"/>
+          <a:chExt cx="0" cy="0"/>
+        </a:xfrm>
+      </p:grpSpPr>
+      <p:sp>
+        <p:nvSpPr>
+          <p:cNvPr id="3" name="Content Placeholder 2">
+            <a:extLst>
+              <a:ext uri="{FF2B5EF4-FFF2-40B4-BE49-F238E27FC236}">
+                <a16:creationId xmlns:a16="http://schemas.microsoft.com/office/drawing/2014/main" id="{C86DD373-4D53-4366-A867-52D05F1649E1}"/>
+              </a:ext>
+            </a:extLst>
+          </p:cNvPr>
+          <p:cNvSpPr>
+            <a:spLocks noGrp="1"/>
+          </p:cNvSpPr>
+          <p:nvPr>
+            <p:ph idx="1"/>
+          </p:nvPr>
+        </p:nvSpPr>
+        <p:spPr>
+          <a:xfrm>
+            <a:off x="838200" y="168676"/>
+            <a:ext cx="10515600" cy="6489576"/>
+          </a:xfrm>
+        </p:spPr>
+        <p:txBody>
+          <a:bodyPr>
+            <a:normAutofit fontScale="85000" lnSpcReduction="20000"/>
+          </a:bodyPr>
+          <a:lstStyle/>
+          <a:p>
+            <a:pPr marL="0" indent="0">
+              <a:buNone/>
+            </a:pPr>
+            <a:endParaRPr lang="en-US" dirty="0"/>
+          </a:p>
+          <a:p>
+            <a:pPr marL="0" indent="0">
+              <a:buNone/>
+            </a:pPr>
+            <a:r>
+              <a:rPr lang="en-US" dirty="0"/>
+              <a:t>!set </a:t>
+            </a:r>
+            <a:r>
+              <a:rPr lang="en-US" dirty="0" err="1"/>
+              <a:t>dt_max</a:t>
+            </a:r>
+            <a:r>
+              <a:rPr lang="en-US" dirty="0"/>
+              <a:t> if </a:t>
+            </a:r>
+            <a:r>
+              <a:rPr lang="en-US" dirty="0" err="1"/>
+              <a:t>calc_dt</a:t>
+            </a:r>
+            <a:r>
+              <a:rPr lang="en-US" dirty="0"/>
+              <a:t> = .f.</a:t>
+            </a:r>
+          </a:p>
+          <a:p>
+            <a:pPr marL="0" indent="0">
+              <a:buNone/>
+            </a:pPr>
+            <a:r>
+              <a:rPr lang="en-US" dirty="0"/>
+              <a:t>!</a:t>
+            </a:r>
+            <a:r>
+              <a:rPr lang="en-US" dirty="0" err="1"/>
+              <a:t>dt_max</a:t>
+            </a:r>
+            <a:r>
+              <a:rPr lang="en-US" dirty="0"/>
+              <a:t>     =   0.3850E-01 !max. linear time step</a:t>
+            </a:r>
+          </a:p>
+          <a:p>
+            <a:pPr marL="0" indent="0">
+              <a:buNone/>
+            </a:pPr>
+            <a:endParaRPr lang="en-US" dirty="0"/>
+          </a:p>
+          <a:p>
+            <a:pPr marL="0" indent="0">
+              <a:buNone/>
+            </a:pPr>
+            <a:r>
+              <a:rPr lang="en-US" dirty="0"/>
+              <a:t>!simulation stop criteria</a:t>
+            </a:r>
+          </a:p>
+          <a:p>
+            <a:pPr marL="0" indent="0">
+              <a:buNone/>
+            </a:pPr>
+            <a:r>
+              <a:rPr lang="en-US" dirty="0" err="1"/>
+              <a:t>timelim</a:t>
+            </a:r>
+            <a:r>
+              <a:rPr lang="en-US" dirty="0"/>
+              <a:t>    =      86000	  ! </a:t>
+            </a:r>
+            <a:r>
+              <a:rPr lang="en-US" dirty="0" err="1"/>
+              <a:t>wallclock</a:t>
+            </a:r>
+            <a:r>
+              <a:rPr lang="en-US" dirty="0"/>
+              <a:t> limit in sec</a:t>
+            </a:r>
+          </a:p>
+          <a:p>
+            <a:pPr marL="0" indent="0">
+              <a:buNone/>
+            </a:pPr>
+            <a:r>
+              <a:rPr lang="en-US" dirty="0" err="1"/>
+              <a:t>ntimesteps</a:t>
+            </a:r>
+            <a:r>
+              <a:rPr lang="en-US" dirty="0"/>
+              <a:t> =      1000000 ! total # timesteps</a:t>
+            </a:r>
+          </a:p>
+          <a:p>
+            <a:pPr marL="0" indent="0">
+              <a:buNone/>
+            </a:pPr>
+            <a:r>
+              <a:rPr lang="en-US" dirty="0" err="1"/>
+              <a:t>simtimelim</a:t>
+            </a:r>
+            <a:r>
+              <a:rPr lang="en-US" dirty="0"/>
+              <a:t> =      300   ! simulation time limit in </a:t>
+            </a:r>
+            <a:r>
+              <a:rPr lang="en-US" dirty="0" err="1"/>
+              <a:t>L_ref</a:t>
+            </a:r>
+            <a:r>
+              <a:rPr lang="en-US" dirty="0"/>
+              <a:t>/</a:t>
+            </a:r>
+            <a:r>
+              <a:rPr lang="en-US" dirty="0" err="1"/>
+              <a:t>c_ref</a:t>
+            </a:r>
+            <a:endParaRPr lang="en-US" dirty="0"/>
+          </a:p>
+          <a:p>
+            <a:pPr marL="0" indent="0">
+              <a:buNone/>
+            </a:pPr>
+            <a:endParaRPr lang="en-US" dirty="0"/>
+          </a:p>
+          <a:p>
+            <a:pPr marL="0" indent="0">
+              <a:buNone/>
+            </a:pPr>
+            <a:r>
+              <a:rPr lang="en-US" dirty="0"/>
+              <a:t>beta       =    -1    !!!! </a:t>
+            </a:r>
+            <a:r>
+              <a:rPr lang="en-US" dirty="0" err="1"/>
+              <a:t>scanlist</a:t>
+            </a:r>
+            <a:r>
+              <a:rPr lang="en-US" dirty="0"/>
+              <a:t>: 0.19E-02, 0.21E-02</a:t>
+            </a:r>
+          </a:p>
+          <a:p>
+            <a:pPr marL="0" indent="0">
+              <a:buNone/>
+            </a:pPr>
+            <a:r>
+              <a:rPr lang="en-US" dirty="0"/>
+              <a:t>debye2     =    -1</a:t>
+            </a:r>
+          </a:p>
+          <a:p>
+            <a:pPr marL="0" indent="0">
+              <a:buNone/>
+            </a:pPr>
+            <a:endParaRPr lang="en-US" dirty="0"/>
+          </a:p>
+          <a:p>
+            <a:pPr marL="0" indent="0">
+              <a:buNone/>
+            </a:pPr>
+            <a:r>
+              <a:rPr lang="en-US" dirty="0" err="1"/>
+              <a:t>collision_op</a:t>
+            </a:r>
+            <a:r>
+              <a:rPr lang="en-US" dirty="0"/>
+              <a:t> = 'landau'   !'</a:t>
+            </a:r>
+            <a:r>
+              <a:rPr lang="en-US" dirty="0" err="1"/>
+              <a:t>landau','pitch</a:t>
+            </a:r>
+            <a:r>
+              <a:rPr lang="en-US" dirty="0"/>
+              <a:t>-angle',...</a:t>
+            </a:r>
+          </a:p>
+          <a:p>
+            <a:pPr marL="0" indent="0">
+              <a:buNone/>
+            </a:pPr>
+            <a:r>
+              <a:rPr lang="en-US" dirty="0" err="1"/>
+              <a:t>coll</a:t>
+            </a:r>
+            <a:r>
+              <a:rPr lang="en-US" dirty="0"/>
+              <a:t>       =  -1     !!!! </a:t>
+            </a:r>
+            <a:r>
+              <a:rPr lang="en-US" dirty="0" err="1"/>
+              <a:t>scanlist</a:t>
+            </a:r>
+            <a:r>
+              <a:rPr lang="en-US" dirty="0"/>
+              <a:t>: 0.018, 0.019, 0.017, 0.016, 0.021, 0.022, 0.023 </a:t>
+            </a:r>
+          </a:p>
+          <a:p>
+            <a:pPr marL="0" indent="0">
+              <a:buNone/>
+            </a:pPr>
+            <a:r>
+              <a:rPr lang="en-US" dirty="0" err="1"/>
+              <a:t>coll_cons_model</a:t>
+            </a:r>
+            <a:r>
+              <a:rPr lang="en-US" dirty="0"/>
+              <a:t> = 'default'</a:t>
+            </a:r>
+          </a:p>
+          <a:p>
+            <a:pPr marL="0" indent="0">
+              <a:buNone/>
+            </a:pPr>
+            <a:r>
+              <a:rPr lang="en-US" dirty="0" err="1"/>
+              <a:t>coll_split</a:t>
+            </a:r>
+            <a:r>
+              <a:rPr lang="en-US" dirty="0"/>
+              <a:t> = T</a:t>
+            </a:r>
+          </a:p>
+          <a:p>
+            <a:pPr marL="0" indent="0">
+              <a:buNone/>
+            </a:pPr>
+            <a:r>
+              <a:rPr lang="en-US" dirty="0" err="1"/>
+              <a:t>zeff</a:t>
+            </a:r>
+            <a:r>
+              <a:rPr lang="en-US" dirty="0"/>
+              <a:t>       =    1	!relevant to collisions in single-ion cases</a:t>
+            </a:r>
+          </a:p>
+          <a:p>
+            <a:pPr marL="0" indent="0">
+              <a:buNone/>
+            </a:pPr>
+            <a:endParaRPr lang="en-US" dirty="0"/>
+          </a:p>
+        </p:txBody>
+      </p:sp>
+    </p:spTree>
+    <p:extLst>
+      <p:ext uri="{BB962C8B-B14F-4D97-AF65-F5344CB8AC3E}">
+        <p14:creationId xmlns:p14="http://schemas.microsoft.com/office/powerpoint/2010/main" val="2980940451"/>
+      </p:ext>
+    </p:extLst>
+  </p:cSld>
+  <p:clrMapOvr>
+    <a:masterClrMapping/>
+  </p:clrMapOvr>
+</p:sld>
+</file>
+
+<file path=ppt/slides/slide8.xml><?xml version="1.0" encoding="utf-8"?>
+<p:sld xmlns:a="http://schemas.openxmlformats.org/drawingml/2006/main" xmlns:r="http://schemas.openxmlformats.org/officeDocument/2006/relationships" xmlns:p="http://schemas.openxmlformats.org/presentationml/2006/main">
+  <p:cSld>
+    <p:spTree>
+      <p:nvGrpSpPr>
+        <p:cNvPr id="1" name=""/>
+        <p:cNvGrpSpPr/>
+        <p:nvPr/>
+      </p:nvGrpSpPr>
+      <p:grpSpPr>
+        <a:xfrm>
+          <a:off x="0" y="0"/>
+          <a:ext cx="0" cy="0"/>
+          <a:chOff x="0" y="0"/>
+          <a:chExt cx="0" cy="0"/>
+        </a:xfrm>
+      </p:grpSpPr>
+      <p:sp>
+        <p:nvSpPr>
+          <p:cNvPr id="3" name="Content Placeholder 2">
+            <a:extLst>
+              <a:ext uri="{FF2B5EF4-FFF2-40B4-BE49-F238E27FC236}">
+                <a16:creationId xmlns:a16="http://schemas.microsoft.com/office/drawing/2014/main" id="{51FA172D-ABA1-4357-B9F3-134119D20DAC}"/>
+              </a:ext>
+            </a:extLst>
+          </p:cNvPr>
+          <p:cNvSpPr>
+            <a:spLocks noGrp="1"/>
+          </p:cNvSpPr>
+          <p:nvPr>
+            <p:ph idx="1"/>
+          </p:nvPr>
+        </p:nvSpPr>
+        <p:spPr>
+          <a:xfrm>
+            <a:off x="838200" y="292963"/>
+            <a:ext cx="10515600" cy="5884000"/>
+          </a:xfrm>
+        </p:spPr>
+        <p:txBody>
+          <a:bodyPr>
+            <a:normAutofit lnSpcReduction="10000"/>
+          </a:bodyPr>
+          <a:lstStyle/>
+          <a:p>
+            <a:pPr marL="0" indent="0">
+              <a:buNone/>
+            </a:pPr>
+            <a:r>
+              <a:rPr lang="en-US" dirty="0"/>
+              <a:t>!initial condition, by default '</a:t>
+            </a:r>
+            <a:r>
+              <a:rPr lang="en-US" dirty="0" err="1"/>
+              <a:t>alm</a:t>
+            </a:r>
+            <a:r>
+              <a:rPr lang="en-US" dirty="0"/>
+              <a:t>'/'</a:t>
+            </a:r>
+            <a:r>
+              <a:rPr lang="en-US" dirty="0" err="1"/>
+              <a:t>ppj</a:t>
+            </a:r>
+            <a:r>
+              <a:rPr lang="en-US" dirty="0"/>
+              <a:t>' for linear/nonlinear runs</a:t>
+            </a:r>
+          </a:p>
+          <a:p>
+            <a:pPr marL="0" indent="0">
+              <a:buNone/>
+            </a:pPr>
+            <a:r>
+              <a:rPr lang="en-US" dirty="0" err="1"/>
+              <a:t>init_cond</a:t>
+            </a:r>
+            <a:r>
+              <a:rPr lang="en-US" dirty="0"/>
+              <a:t> = '</a:t>
+            </a:r>
+            <a:r>
+              <a:rPr lang="en-US" dirty="0" err="1"/>
+              <a:t>almmt</a:t>
+            </a:r>
+            <a:r>
+              <a:rPr lang="en-US" dirty="0"/>
+              <a:t>'</a:t>
+            </a:r>
+          </a:p>
+          <a:p>
+            <a:pPr marL="0" indent="0">
+              <a:buNone/>
+            </a:pPr>
+            <a:endParaRPr lang="en-US" dirty="0"/>
+          </a:p>
+          <a:p>
+            <a:pPr marL="0" indent="0">
+              <a:buNone/>
+            </a:pPr>
+            <a:r>
+              <a:rPr lang="en-US" dirty="0"/>
+              <a:t>!</a:t>
+            </a:r>
+            <a:r>
+              <a:rPr lang="en-US" dirty="0" err="1"/>
+              <a:t>hyperdiffusions</a:t>
+            </a:r>
+            <a:endParaRPr lang="en-US" dirty="0"/>
+          </a:p>
+          <a:p>
+            <a:pPr marL="0" indent="0">
+              <a:buNone/>
+            </a:pPr>
+            <a:r>
+              <a:rPr lang="en-US" dirty="0" err="1"/>
+              <a:t>hyp_z</a:t>
+            </a:r>
+            <a:r>
+              <a:rPr lang="en-US" dirty="0"/>
+              <a:t> =   -1 !set to -1 for automatic adaptation</a:t>
+            </a:r>
+          </a:p>
+          <a:p>
+            <a:pPr marL="0" indent="0">
+              <a:buNone/>
+            </a:pPr>
+            <a:r>
+              <a:rPr lang="en-US" dirty="0" err="1"/>
+              <a:t>hyp_x</a:t>
+            </a:r>
+            <a:r>
+              <a:rPr lang="en-US" dirty="0"/>
+              <a:t> = 0</a:t>
+            </a:r>
+          </a:p>
+          <a:p>
+            <a:pPr marL="0" indent="0">
+              <a:buNone/>
+            </a:pPr>
+            <a:r>
+              <a:rPr lang="en-US" dirty="0" err="1"/>
+              <a:t>hyp_y</a:t>
+            </a:r>
+            <a:r>
+              <a:rPr lang="en-US" dirty="0"/>
+              <a:t> = 0</a:t>
+            </a:r>
+          </a:p>
+          <a:p>
+            <a:pPr marL="0" indent="0">
+              <a:buNone/>
+            </a:pPr>
+            <a:r>
+              <a:rPr lang="en-US" dirty="0" err="1"/>
+              <a:t>hyp_v</a:t>
+            </a:r>
+            <a:r>
+              <a:rPr lang="en-US" dirty="0"/>
+              <a:t> =   0 !set to zero if collisions are active</a:t>
+            </a:r>
+          </a:p>
+          <a:p>
+            <a:pPr marL="0" indent="0">
+              <a:buNone/>
+            </a:pPr>
+            <a:endParaRPr lang="en-US" dirty="0"/>
+          </a:p>
+          <a:p>
+            <a:pPr marL="0" indent="0">
+              <a:buNone/>
+            </a:pPr>
+            <a:r>
+              <a:rPr lang="en-US" dirty="0"/>
+              <a:t>!Uncomment following line to activate LES methods in perp. directions</a:t>
+            </a:r>
+          </a:p>
+          <a:p>
+            <a:pPr marL="0" indent="0">
+              <a:buNone/>
+            </a:pPr>
+            <a:r>
+              <a:rPr lang="en-US" dirty="0"/>
+              <a:t>!(recommended to avoid spectral pile-ups)</a:t>
+            </a:r>
+          </a:p>
+          <a:p>
+            <a:pPr marL="0" indent="0">
+              <a:buNone/>
+            </a:pPr>
+            <a:r>
+              <a:rPr lang="en-US" dirty="0"/>
+              <a:t>!</a:t>
+            </a:r>
+            <a:r>
+              <a:rPr lang="en-US" dirty="0" err="1"/>
+              <a:t>GyroLES</a:t>
+            </a:r>
+            <a:r>
+              <a:rPr lang="en-US" dirty="0"/>
+              <a:t> = T</a:t>
+            </a:r>
+          </a:p>
+          <a:p>
+            <a:pPr marL="0" indent="0">
+              <a:buNone/>
+            </a:pPr>
+            <a:endParaRPr lang="en-US" dirty="0"/>
+          </a:p>
+        </p:txBody>
+      </p:sp>
+    </p:spTree>
+    <p:extLst>
+      <p:ext uri="{BB962C8B-B14F-4D97-AF65-F5344CB8AC3E}">
+        <p14:creationId xmlns:p14="http://schemas.microsoft.com/office/powerpoint/2010/main" val="1317365237"/>
+      </p:ext>
+    </p:extLst>
+  </p:cSld>
+  <p:clrMapOvr>
+    <a:masterClrMapping/>
+  </p:clrMapOvr>
+</p:sld>
+</file>
+
+<file path=ppt/slides/slide9.xml><?xml version="1.0" encoding="utf-8"?>
+<p:sld xmlns:a="http://schemas.openxmlformats.org/drawingml/2006/main" xmlns:r="http://schemas.openxmlformats.org/officeDocument/2006/relationships" xmlns:p="http://schemas.openxmlformats.org/presentationml/2006/main">
+  <p:cSld>
+    <p:spTree>
+      <p:nvGrpSpPr>
+        <p:cNvPr id="1" name=""/>
+        <p:cNvGrpSpPr/>
+        <p:nvPr/>
+      </p:nvGrpSpPr>
+      <p:grpSpPr>
+        <a:xfrm>
+          <a:off x="0" y="0"/>
+          <a:ext cx="0" cy="0"/>
+          <a:chOff x="0" y="0"/>
+          <a:chExt cx="0" cy="0"/>
+        </a:xfrm>
+      </p:grpSpPr>
+      <p:sp>
+        <p:nvSpPr>
+          <p:cNvPr id="2" name="Title 1">
+            <a:extLst>
+              <a:ext uri="{FF2B5EF4-FFF2-40B4-BE49-F238E27FC236}">
+                <a16:creationId xmlns:a16="http://schemas.microsoft.com/office/drawing/2014/main" id="{18063B6D-339F-4E39-BB63-1F319A949B9F}"/>
+              </a:ext>
+            </a:extLst>
+          </p:cNvPr>
+          <p:cNvSpPr>
+            <a:spLocks noGrp="1"/>
+          </p:cNvSpPr>
+          <p:nvPr>
+            <p:ph type="title"/>
+          </p:nvPr>
+        </p:nvSpPr>
+        <p:spPr/>
+        <p:txBody>
+          <a:bodyPr/>
+          <a:lstStyle/>
+          <a:p>
+            <a:r>
+              <a:rPr lang="en-US" dirty="0"/>
+              <a:t>&amp;geometry</a:t>
+            </a:r>
+          </a:p>
+        </p:txBody>
+      </p:sp>
+      <p:sp>
+        <p:nvSpPr>
+          <p:cNvPr id="3" name="Content Placeholder 2">
+            <a:extLst>
+              <a:ext uri="{FF2B5EF4-FFF2-40B4-BE49-F238E27FC236}">
+                <a16:creationId xmlns:a16="http://schemas.microsoft.com/office/drawing/2014/main" id="{4FBF8224-1EC1-4B99-A60A-EF536DD03470}"/>
+              </a:ext>
+            </a:extLst>
+          </p:cNvPr>
+          <p:cNvSpPr>
+            <a:spLocks noGrp="1"/>
+          </p:cNvSpPr>
+          <p:nvPr>
+            <p:ph idx="1"/>
+          </p:nvPr>
+        </p:nvSpPr>
+        <p:spPr>
+          <a:xfrm>
+            <a:off x="838200" y="1825624"/>
+            <a:ext cx="10515600" cy="4824557"/>
+          </a:xfrm>
+        </p:spPr>
+        <p:txBody>
+          <a:bodyPr>
+            <a:normAutofit fontScale="77500" lnSpcReduction="20000"/>
+          </a:bodyPr>
+          <a:lstStyle/>
+          <a:p>
+            <a:pPr marL="0" indent="0">
+              <a:buNone/>
+            </a:pPr>
+            <a:r>
+              <a:rPr lang="en-US" dirty="0" err="1"/>
+              <a:t>magn_geometry</a:t>
+            </a:r>
+            <a:r>
+              <a:rPr lang="en-US" dirty="0"/>
+              <a:t> = '</a:t>
+            </a:r>
+            <a:r>
+              <a:rPr lang="en-US" dirty="0" err="1"/>
+              <a:t>tracer_efit</a:t>
+            </a:r>
+            <a:r>
+              <a:rPr lang="en-US" dirty="0"/>
+              <a:t>' !geometry model</a:t>
+            </a:r>
+          </a:p>
+          <a:p>
+            <a:pPr marL="0" indent="0">
+              <a:buNone/>
+            </a:pPr>
+            <a:r>
+              <a:rPr lang="en-US" dirty="0" err="1"/>
+              <a:t>geomfile</a:t>
+            </a:r>
+            <a:r>
+              <a:rPr lang="en-US" dirty="0"/>
+              <a:t> = 'g175823.04108_257X257'</a:t>
+            </a:r>
+          </a:p>
+          <a:p>
+            <a:pPr marL="0" indent="0">
+              <a:buNone/>
+            </a:pPr>
+            <a:r>
+              <a:rPr lang="en-US" dirty="0"/>
+              <a:t>shat     =   -1	! r/q </a:t>
+            </a:r>
+            <a:r>
+              <a:rPr lang="en-US" dirty="0" err="1"/>
+              <a:t>dq</a:t>
+            </a:r>
+            <a:r>
+              <a:rPr lang="en-US" dirty="0"/>
+              <a:t>/</a:t>
+            </a:r>
+            <a:r>
+              <a:rPr lang="en-US" dirty="0" err="1"/>
+              <a:t>dr</a:t>
+            </a:r>
+            <a:endParaRPr lang="en-US" dirty="0"/>
+          </a:p>
+          <a:p>
+            <a:pPr marL="0" indent="0">
+              <a:buNone/>
+            </a:pPr>
+            <a:r>
+              <a:rPr lang="en-US" dirty="0"/>
+              <a:t>!</a:t>
+            </a:r>
+            <a:r>
+              <a:rPr lang="en-US" dirty="0" err="1"/>
+              <a:t>trpeps</a:t>
+            </a:r>
+            <a:r>
+              <a:rPr lang="en-US" dirty="0"/>
+              <a:t>   =   0.34237    	! r/R_0</a:t>
+            </a:r>
+          </a:p>
+          <a:p>
+            <a:pPr marL="0" indent="0">
+              <a:buNone/>
+            </a:pPr>
+            <a:r>
+              <a:rPr lang="en-US" dirty="0"/>
+              <a:t>!</a:t>
+            </a:r>
+            <a:r>
+              <a:rPr lang="en-US" dirty="0" err="1"/>
+              <a:t>major_R</a:t>
+            </a:r>
+            <a:r>
+              <a:rPr lang="en-US" dirty="0"/>
+              <a:t>  =    1.000    	! R_0 (here = </a:t>
+            </a:r>
+            <a:r>
+              <a:rPr lang="en-US" dirty="0" err="1"/>
+              <a:t>L_ref</a:t>
+            </a:r>
+            <a:r>
+              <a:rPr lang="en-US" dirty="0"/>
+              <a:t>)</a:t>
+            </a:r>
+          </a:p>
+          <a:p>
+            <a:pPr marL="0" indent="0">
+              <a:buNone/>
+            </a:pPr>
+            <a:r>
+              <a:rPr lang="en-US" dirty="0"/>
+              <a:t>!q0       =    6.1595     ! safety factor q</a:t>
+            </a:r>
+          </a:p>
+          <a:p>
+            <a:pPr marL="0" indent="0">
+              <a:buNone/>
+            </a:pPr>
+            <a:r>
+              <a:rPr lang="en-US" dirty="0"/>
+              <a:t>!</a:t>
+            </a:r>
+            <a:r>
+              <a:rPr lang="en-US" dirty="0" err="1"/>
+              <a:t>amhd</a:t>
+            </a:r>
+            <a:r>
+              <a:rPr lang="en-US" dirty="0"/>
+              <a:t>     =   11.577</a:t>
+            </a:r>
+          </a:p>
+          <a:p>
+            <a:pPr marL="0" indent="0">
+              <a:buNone/>
+            </a:pPr>
+            <a:r>
+              <a:rPr lang="en-US" dirty="0"/>
+              <a:t>!</a:t>
+            </a:r>
+            <a:r>
+              <a:rPr lang="en-US" dirty="0" err="1"/>
+              <a:t>edge_opt</a:t>
+            </a:r>
+            <a:r>
+              <a:rPr lang="en-US" dirty="0"/>
+              <a:t> = 2.0</a:t>
+            </a:r>
+          </a:p>
+          <a:p>
+            <a:pPr marL="0" indent="0">
+              <a:buNone/>
+            </a:pPr>
+            <a:r>
+              <a:rPr lang="en-US" dirty="0" err="1"/>
+              <a:t>dpdx_pm</a:t>
+            </a:r>
+            <a:r>
+              <a:rPr lang="en-US" dirty="0"/>
+              <a:t> = -1</a:t>
+            </a:r>
+          </a:p>
+          <a:p>
+            <a:pPr marL="0" indent="0">
+              <a:buNone/>
+            </a:pPr>
+            <a:r>
+              <a:rPr lang="en-US" dirty="0"/>
+              <a:t>!uncomment to compute </a:t>
+            </a:r>
+            <a:r>
+              <a:rPr lang="en-US" dirty="0" err="1"/>
+              <a:t>rhostar</a:t>
+            </a:r>
+            <a:r>
+              <a:rPr lang="en-US" dirty="0"/>
+              <a:t> from reference values (if available)</a:t>
+            </a:r>
+          </a:p>
+          <a:p>
+            <a:pPr marL="0" indent="0">
+              <a:buNone/>
+            </a:pPr>
+            <a:r>
+              <a:rPr lang="en-US" dirty="0" err="1"/>
+              <a:t>rhostar</a:t>
+            </a:r>
+            <a:r>
+              <a:rPr lang="en-US" dirty="0"/>
+              <a:t> = -1</a:t>
+            </a:r>
+          </a:p>
+          <a:p>
+            <a:pPr marL="0" indent="0">
+              <a:buNone/>
+            </a:pPr>
+            <a:r>
+              <a:rPr lang="en-US" dirty="0" err="1"/>
+              <a:t>sign_Ip_CW</a:t>
+            </a:r>
+            <a:r>
+              <a:rPr lang="en-US" dirty="0"/>
+              <a:t> = 1 !Clock-wise plasma current (top view)</a:t>
+            </a:r>
+          </a:p>
+          <a:p>
+            <a:pPr marL="0" indent="0">
+              <a:buNone/>
+            </a:pPr>
+            <a:r>
+              <a:rPr lang="en-US" dirty="0" err="1"/>
+              <a:t>sign_Bt_CW</a:t>
+            </a:r>
+            <a:r>
+              <a:rPr lang="en-US" dirty="0"/>
+              <a:t> = 1 !Clock-wise toroidal magnetic field orientation</a:t>
+            </a:r>
+          </a:p>
+        </p:txBody>
+      </p:sp>
+    </p:spTree>
+    <p:extLst>
+      <p:ext uri="{BB962C8B-B14F-4D97-AF65-F5344CB8AC3E}">
+        <p14:creationId xmlns:p14="http://schemas.microsoft.com/office/powerpoint/2010/main" val="2457815956"/>
       </p:ext>
     </p:extLst>
   </p:cSld>
